--- a/pictures/pdf/Coverage2DwithUnformControl.pptx
+++ b/pictures/pdf/Coverage2DwithUnformControl.pptx
@@ -109,7 +109,7 @@
   </p:defaultTextStyle>
   <p:extLst>
     <p:ext uri="{EFAFB233-063F-42B5-8137-9DF3F51BA10A}">
-      <p15:sldGuideLst xmlns:p15="http://schemas.microsoft.com/office/powerpoint/2012/main">
+      <p15:sldGuideLst xmlns="" xmlns:p15="http://schemas.microsoft.com/office/powerpoint/2012/main">
         <p15:guide id="1" orient="horz" pos="2160">
           <p15:clr>
             <a:srgbClr val="A4A3A4"/>
@@ -208,7 +208,7 @@
           <a:p>
             <a:fld id="{18FE04CF-4456-46AA-BE77-1986DE188526}" type="datetimeFigureOut">
               <a:rPr lang="en-US" smtClean="0"/>
-              <a:t>2/24/2017</a:t>
+              <a:t>2/27/17</a:t>
             </a:fld>
             <a:endParaRPr lang="en-US"/>
           </a:p>
@@ -303,7 +303,6 @@
               <a:rPr lang="en-US"/>
               <a:t>Fifth level</a:t>
             </a:r>
-            <a:endParaRPr lang="en-US"/>
           </a:p>
         </p:txBody>
       </p:sp>
@@ -739,7 +738,7 @@
           <a:p>
             <a:fld id="{99A0145A-2071-0644-A8C1-E274C944D784}" type="datetimeFigureOut">
               <a:rPr lang="en-US" smtClean="0"/>
-              <a:t>2/24/2017</a:t>
+              <a:t>2/27/17</a:t>
             </a:fld>
             <a:endParaRPr lang="en-US"/>
           </a:p>
@@ -907,7 +906,7 @@
           <a:p>
             <a:fld id="{99A0145A-2071-0644-A8C1-E274C944D784}" type="datetimeFigureOut">
               <a:rPr lang="en-US" smtClean="0"/>
-              <a:t>2/24/2017</a:t>
+              <a:t>2/27/17</a:t>
             </a:fld>
             <a:endParaRPr lang="en-US"/>
           </a:p>
@@ -1085,7 +1084,7 @@
           <a:p>
             <a:fld id="{99A0145A-2071-0644-A8C1-E274C944D784}" type="datetimeFigureOut">
               <a:rPr lang="en-US" smtClean="0"/>
-              <a:t>2/24/2017</a:t>
+              <a:t>2/27/17</a:t>
             </a:fld>
             <a:endParaRPr lang="en-US"/>
           </a:p>
@@ -1253,7 +1252,7 @@
           <a:p>
             <a:fld id="{99A0145A-2071-0644-A8C1-E274C944D784}" type="datetimeFigureOut">
               <a:rPr lang="en-US" smtClean="0"/>
-              <a:t>2/24/2017</a:t>
+              <a:t>2/27/17</a:t>
             </a:fld>
             <a:endParaRPr lang="en-US"/>
           </a:p>
@@ -1498,7 +1497,7 @@
           <a:p>
             <a:fld id="{99A0145A-2071-0644-A8C1-E274C944D784}" type="datetimeFigureOut">
               <a:rPr lang="en-US" smtClean="0"/>
-              <a:t>2/24/2017</a:t>
+              <a:t>2/27/17</a:t>
             </a:fld>
             <a:endParaRPr lang="en-US"/>
           </a:p>
@@ -1783,7 +1782,7 @@
           <a:p>
             <a:fld id="{99A0145A-2071-0644-A8C1-E274C944D784}" type="datetimeFigureOut">
               <a:rPr lang="en-US" smtClean="0"/>
-              <a:t>2/24/2017</a:t>
+              <a:t>2/27/17</a:t>
             </a:fld>
             <a:endParaRPr lang="en-US"/>
           </a:p>
@@ -2202,7 +2201,7 @@
           <a:p>
             <a:fld id="{99A0145A-2071-0644-A8C1-E274C944D784}" type="datetimeFigureOut">
               <a:rPr lang="en-US" smtClean="0"/>
-              <a:t>2/24/2017</a:t>
+              <a:t>2/27/17</a:t>
             </a:fld>
             <a:endParaRPr lang="en-US"/>
           </a:p>
@@ -2319,7 +2318,7 @@
           <a:p>
             <a:fld id="{99A0145A-2071-0644-A8C1-E274C944D784}" type="datetimeFigureOut">
               <a:rPr lang="en-US" smtClean="0"/>
-              <a:t>2/24/2017</a:t>
+              <a:t>2/27/17</a:t>
             </a:fld>
             <a:endParaRPr lang="en-US"/>
           </a:p>
@@ -2414,7 +2413,7 @@
           <a:p>
             <a:fld id="{99A0145A-2071-0644-A8C1-E274C944D784}" type="datetimeFigureOut">
               <a:rPr lang="en-US" smtClean="0"/>
-              <a:t>2/24/2017</a:t>
+              <a:t>2/27/17</a:t>
             </a:fld>
             <a:endParaRPr lang="en-US"/>
           </a:p>
@@ -2689,7 +2688,7 @@
           <a:p>
             <a:fld id="{99A0145A-2071-0644-A8C1-E274C944D784}" type="datetimeFigureOut">
               <a:rPr lang="en-US" smtClean="0"/>
-              <a:t>2/24/2017</a:t>
+              <a:t>2/27/17</a:t>
             </a:fld>
             <a:endParaRPr lang="en-US"/>
           </a:p>
@@ -2941,7 +2940,7 @@
           <a:p>
             <a:fld id="{99A0145A-2071-0644-A8C1-E274C944D784}" type="datetimeFigureOut">
               <a:rPr lang="en-US" smtClean="0"/>
-              <a:t>2/24/2017</a:t>
+              <a:t>2/27/17</a:t>
             </a:fld>
             <a:endParaRPr lang="en-US"/>
           </a:p>
@@ -3152,7 +3151,7 @@
           <a:p>
             <a:fld id="{99A0145A-2071-0644-A8C1-E274C944D784}" type="datetimeFigureOut">
               <a:rPr lang="en-US" smtClean="0"/>
-              <a:t>2/24/2017</a:t>
+              <a:t>2/27/17</a:t>
             </a:fld>
             <a:endParaRPr lang="en-US"/>
           </a:p>
@@ -3743,19 +3742,23 @@
               <a:t>move 0, </a:t>
             </a:r>
             <a:r>
-              <a:rPr lang="en-US" sz="2400" i="1" dirty="0">
+              <a:rPr lang="en-US" sz="2400" i="1" dirty="0" smtClean="0">
                 <a:latin typeface="Times New Roman"/>
                 <a:cs typeface="Times New Roman"/>
               </a:rPr>
-              <a:t>n</a:t>
-            </a:r>
-            <a:r>
-              <a:rPr lang="en-US" sz="2400" dirty="0">
+              <a:t>n </a:t>
+            </a:r>
+            <a:r>
+              <a:rPr lang="en-US" sz="2400" dirty="0" smtClean="0">
                 <a:latin typeface="Times New Roman"/>
                 <a:cs typeface="Times New Roman"/>
               </a:rPr>
-              <a:t>=4</a:t>
-            </a:r>
+              <a:t>= 4</a:t>
+            </a:r>
+            <a:endParaRPr lang="en-US" sz="2400" dirty="0">
+              <a:latin typeface="Times New Roman"/>
+              <a:cs typeface="Times New Roman"/>
+            </a:endParaRPr>
           </a:p>
         </p:txBody>
       </p:sp>
@@ -3790,19 +3793,23 @@
               <a:t>move 50, </a:t>
             </a:r>
             <a:r>
-              <a:rPr lang="en-US" sz="2400" i="1" dirty="0">
+              <a:rPr lang="en-US" sz="2400" i="1" dirty="0" smtClean="0">
                 <a:latin typeface="Times New Roman"/>
                 <a:cs typeface="Times New Roman"/>
               </a:rPr>
-              <a:t>n</a:t>
-            </a:r>
-            <a:r>
-              <a:rPr lang="en-US" sz="2400" dirty="0">
+              <a:t>n </a:t>
+            </a:r>
+            <a:r>
+              <a:rPr lang="en-US" sz="2400" dirty="0" smtClean="0">
                 <a:latin typeface="Times New Roman"/>
                 <a:cs typeface="Times New Roman"/>
               </a:rPr>
-              <a:t>=4</a:t>
-            </a:r>
+              <a:t>= 4</a:t>
+            </a:r>
+            <a:endParaRPr lang="en-US" sz="2400" dirty="0">
+              <a:latin typeface="Times New Roman"/>
+              <a:cs typeface="Times New Roman"/>
+            </a:endParaRPr>
           </a:p>
         </p:txBody>
       </p:sp>
@@ -3837,19 +3844,23 @@
               <a:t>move 2394, </a:t>
             </a:r>
             <a:r>
-              <a:rPr lang="en-US" sz="2400" i="1" dirty="0">
+              <a:rPr lang="en-US" sz="2400" i="1" dirty="0" smtClean="0">
                 <a:latin typeface="Times New Roman"/>
                 <a:cs typeface="Times New Roman"/>
               </a:rPr>
-              <a:t>n</a:t>
-            </a:r>
-            <a:r>
-              <a:rPr lang="en-US" sz="2400" dirty="0">
+              <a:t>n </a:t>
+            </a:r>
+            <a:r>
+              <a:rPr lang="en-US" sz="2400" dirty="0" smtClean="0">
                 <a:latin typeface="Times New Roman"/>
                 <a:cs typeface="Times New Roman"/>
               </a:rPr>
-              <a:t>=4</a:t>
-            </a:r>
+              <a:t>= 4</a:t>
+            </a:r>
+            <a:endParaRPr lang="en-US" sz="2400" dirty="0">
+              <a:latin typeface="Times New Roman"/>
+              <a:cs typeface="Times New Roman"/>
+            </a:endParaRPr>
           </a:p>
         </p:txBody>
       </p:sp>
@@ -3861,8 +3872,8 @@
         </p:nvSpPr>
         <p:spPr>
           <a:xfrm>
-            <a:off x="8139758" y="6331280"/>
-            <a:ext cx="2499891" cy="461665"/>
+            <a:off x="7492178" y="6331280"/>
+            <a:ext cx="3589818" cy="461665"/>
           </a:xfrm>
           <a:prstGeom prst="rect">
             <a:avLst/>
@@ -3875,6 +3886,7 @@
           </a:bodyPr>
           <a:lstStyle/>
           <a:p>
+            <a:pPr algn="ctr"/>
             <a:r>
               <a:rPr lang="en-US" sz="2400" dirty="0">
                 <a:latin typeface="Times New Roman"/>
@@ -3883,19 +3895,23 @@
               <a:t>move 82, </a:t>
             </a:r>
             <a:r>
-              <a:rPr lang="en-US" sz="2400" i="1" dirty="0">
+              <a:rPr lang="en-US" sz="2400" i="1" dirty="0" smtClean="0">
                 <a:latin typeface="Times New Roman"/>
                 <a:cs typeface="Times New Roman"/>
               </a:rPr>
-              <a:t>n</a:t>
-            </a:r>
-            <a:r>
-              <a:rPr lang="en-US" sz="2400" dirty="0">
+              <a:t>n </a:t>
+            </a:r>
+            <a:r>
+              <a:rPr lang="en-US" sz="2400" dirty="0" smtClean="0">
                 <a:latin typeface="Times New Roman"/>
                 <a:cs typeface="Times New Roman"/>
               </a:rPr>
-              <a:t>=300</a:t>
-            </a:r>
+              <a:t>= 300</a:t>
+            </a:r>
+            <a:endParaRPr lang="en-US" sz="2400" dirty="0">
+              <a:latin typeface="Times New Roman"/>
+              <a:cs typeface="Times New Roman"/>
+            </a:endParaRPr>
           </a:p>
         </p:txBody>
       </p:sp>
@@ -3907,8 +3923,8 @@
         </p:nvSpPr>
         <p:spPr>
           <a:xfrm>
-            <a:off x="4482157" y="6331279"/>
-            <a:ext cx="2499891" cy="461665"/>
+            <a:off x="3730422" y="6331279"/>
+            <a:ext cx="3657600" cy="461665"/>
           </a:xfrm>
           <a:prstGeom prst="rect">
             <a:avLst/>
@@ -3921,6 +3937,7 @@
           </a:bodyPr>
           <a:lstStyle/>
           <a:p>
+            <a:pPr algn="ctr"/>
             <a:r>
               <a:rPr lang="en-US" sz="2400" dirty="0">
                 <a:latin typeface="Times New Roman"/>
@@ -3929,19 +3946,23 @@
               <a:t>move 50, </a:t>
             </a:r>
             <a:r>
-              <a:rPr lang="en-US" sz="2400" i="1" dirty="0">
+              <a:rPr lang="en-US" sz="2400" i="1" dirty="0" smtClean="0">
                 <a:latin typeface="Times New Roman"/>
                 <a:cs typeface="Times New Roman"/>
               </a:rPr>
-              <a:t>n</a:t>
-            </a:r>
-            <a:r>
-              <a:rPr lang="en-US" sz="2400" dirty="0">
+              <a:t>n </a:t>
+            </a:r>
+            <a:r>
+              <a:rPr lang="en-US" sz="2400" dirty="0" smtClean="0">
                 <a:latin typeface="Times New Roman"/>
                 <a:cs typeface="Times New Roman"/>
               </a:rPr>
-              <a:t>=300</a:t>
-            </a:r>
+              <a:t>= 300</a:t>
+            </a:r>
+            <a:endParaRPr lang="en-US" sz="2400" dirty="0">
+              <a:latin typeface="Times New Roman"/>
+              <a:cs typeface="Times New Roman"/>
+            </a:endParaRPr>
           </a:p>
         </p:txBody>
       </p:sp>
@@ -3953,8 +3974,8 @@
         </p:nvSpPr>
         <p:spPr>
           <a:xfrm>
-            <a:off x="757002" y="6331282"/>
-            <a:ext cx="2499891" cy="461665"/>
+            <a:off x="0" y="6331282"/>
+            <a:ext cx="3657601" cy="461665"/>
           </a:xfrm>
           <a:prstGeom prst="rect">
             <a:avLst/>
@@ -3967,6 +3988,7 @@
           </a:bodyPr>
           <a:lstStyle/>
           <a:p>
+            <a:pPr algn="ctr"/>
             <a:r>
               <a:rPr lang="en-US" sz="2400" dirty="0">
                 <a:latin typeface="Times New Roman"/>
@@ -3975,19 +3997,23 @@
               <a:t>move 0, </a:t>
             </a:r>
             <a:r>
-              <a:rPr lang="en-US" sz="2400" i="1" dirty="0">
+              <a:rPr lang="en-US" sz="2400" i="1" dirty="0" smtClean="0">
                 <a:latin typeface="Times New Roman"/>
                 <a:cs typeface="Times New Roman"/>
               </a:rPr>
-              <a:t>n</a:t>
-            </a:r>
-            <a:r>
-              <a:rPr lang="en-US" sz="2400" dirty="0">
+              <a:t>n </a:t>
+            </a:r>
+            <a:r>
+              <a:rPr lang="en-US" sz="2400" dirty="0" smtClean="0">
                 <a:latin typeface="Times New Roman"/>
                 <a:cs typeface="Times New Roman"/>
               </a:rPr>
-              <a:t>=300</a:t>
-            </a:r>
+              <a:t>= 300</a:t>
+            </a:r>
+            <a:endParaRPr lang="en-US" sz="2400" dirty="0">
+              <a:latin typeface="Times New Roman"/>
+              <a:cs typeface="Times New Roman"/>
+            </a:endParaRPr>
           </a:p>
         </p:txBody>
       </p:sp>
@@ -4049,8 +4075,16 @@
           <a:lstStyle/>
           <a:p>
             <a:r>
+              <a:rPr lang="en-US" sz="2400" b="1"/>
+              <a:t>Unknown </a:t>
+            </a:r>
+            <a:r>
+              <a:rPr lang="en-US" sz="2400" b="1" smtClean="0"/>
+              <a:t>(grey</a:t>
+            </a:r>
+            <a:r>
               <a:rPr lang="en-US" sz="2400" b="1" dirty="0"/>
-              <a:t>Unknown (Grey)</a:t>
+              <a:t>)</a:t>
             </a:r>
           </a:p>
         </p:txBody>
@@ -4292,7 +4326,15 @@
           <a:p>
             <a:r>
               <a:rPr lang="en-US" sz="2400" b="1" dirty="0"/>
-              <a:t>Free space (White)</a:t>
+              <a:t>Free space </a:t>
+            </a:r>
+            <a:r>
+              <a:rPr lang="en-US" sz="2400" b="1" dirty="0" smtClean="0"/>
+              <a:t>(white</a:t>
+            </a:r>
+            <a:r>
+              <a:rPr lang="en-US" sz="2400" b="1" dirty="0"/>
+              <a:t>)</a:t>
             </a:r>
           </a:p>
         </p:txBody>
@@ -4709,7 +4751,7 @@
     </a:clrScheme>
     <a:fontScheme name="Office">
       <a:majorFont>
-        <a:latin typeface="Calibri Light" panose="020F0302020204030204"/>
+        <a:latin typeface="Calibri Light"/>
         <a:ea typeface=""/>
         <a:cs typeface=""/>
         <a:font script="Jpan" typeface="游ゴシック Light"/>
@@ -4761,7 +4803,7 @@
         <a:font script="Tfng" typeface="Ebrima"/>
       </a:majorFont>
       <a:minorFont>
-        <a:latin typeface="Calibri" panose="020F0502020204030204"/>
+        <a:latin typeface="Calibri"/>
         <a:ea typeface=""/>
         <a:cs typeface=""/>
         <a:font script="Jpan" typeface="游ゴシック"/>
@@ -4955,7 +4997,7 @@
   <a:extraClrSchemeLst/>
   <a:extLst>
     <a:ext uri="{05A4C25C-085E-4340-85A3-A5531E510DB2}">
-      <thm15:themeFamily xmlns:thm15="http://schemas.microsoft.com/office/thememl/2012/main" name="Office Theme" id="{62F939B6-93AF-4DB8-9C6B-D6C7DFDC589F}" vid="{4A3C46E8-61CC-4603-A589-7422A47A8E4A}"/>
+      <thm15:themeFamily xmlns="" xmlns:thm15="http://schemas.microsoft.com/office/thememl/2012/main" name="Office Theme" id="{62F939B6-93AF-4DB8-9C6B-D6C7DFDC589F}" vid="{4A3C46E8-61CC-4603-A589-7422A47A8E4A}"/>
     </a:ext>
   </a:extLst>
 </a:theme>

--- a/pictures/pdf/Coverage2DwithUnformControl.pptx
+++ b/pictures/pdf/Coverage2DwithUnformControl.pptx
@@ -5,19 +5,20 @@
     <p:sldMasterId id="2147483648" r:id="rId1"/>
   </p:sldMasterIdLst>
   <p:notesMasterIdLst>
-    <p:notesMasterId r:id="rId3"/>
+    <p:notesMasterId r:id="rId4"/>
   </p:notesMasterIdLst>
   <p:sldIdLst>
     <p:sldId id="256" r:id="rId2"/>
+    <p:sldId id="257" r:id="rId3"/>
   </p:sldIdLst>
-  <p:sldSz cx="11155363" cy="6858000"/>
+  <p:sldSz cx="9601200" cy="8229600"/>
   <p:notesSz cx="6858000" cy="9144000"/>
   <p:defaultTextStyle>
     <a:defPPr>
       <a:defRPr lang="en-US"/>
     </a:defPPr>
-    <a:lvl1pPr marL="0" algn="l" defTabSz="457200" rtl="0" eaLnBrk="1" latinLnBrk="0" hangingPunct="1">
-      <a:defRPr sz="1800" kern="1200">
+    <a:lvl1pPr marL="0" algn="l" defTabSz="540672" rtl="0" eaLnBrk="1" latinLnBrk="0" hangingPunct="1">
+      <a:defRPr sz="2129" kern="1200">
         <a:solidFill>
           <a:schemeClr val="tx1"/>
         </a:solidFill>
@@ -26,8 +27,8 @@
         <a:cs typeface="+mn-cs"/>
       </a:defRPr>
     </a:lvl1pPr>
-    <a:lvl2pPr marL="457200" algn="l" defTabSz="457200" rtl="0" eaLnBrk="1" latinLnBrk="0" hangingPunct="1">
-      <a:defRPr sz="1800" kern="1200">
+    <a:lvl2pPr marL="540672" algn="l" defTabSz="540672" rtl="0" eaLnBrk="1" latinLnBrk="0" hangingPunct="1">
+      <a:defRPr sz="2129" kern="1200">
         <a:solidFill>
           <a:schemeClr val="tx1"/>
         </a:solidFill>
@@ -36,8 +37,8 @@
         <a:cs typeface="+mn-cs"/>
       </a:defRPr>
     </a:lvl2pPr>
-    <a:lvl3pPr marL="914400" algn="l" defTabSz="457200" rtl="0" eaLnBrk="1" latinLnBrk="0" hangingPunct="1">
-      <a:defRPr sz="1800" kern="1200">
+    <a:lvl3pPr marL="1081345" algn="l" defTabSz="540672" rtl="0" eaLnBrk="1" latinLnBrk="0" hangingPunct="1">
+      <a:defRPr sz="2129" kern="1200">
         <a:solidFill>
           <a:schemeClr val="tx1"/>
         </a:solidFill>
@@ -46,8 +47,8 @@
         <a:cs typeface="+mn-cs"/>
       </a:defRPr>
     </a:lvl3pPr>
-    <a:lvl4pPr marL="1371600" algn="l" defTabSz="457200" rtl="0" eaLnBrk="1" latinLnBrk="0" hangingPunct="1">
-      <a:defRPr sz="1800" kern="1200">
+    <a:lvl4pPr marL="1622019" algn="l" defTabSz="540672" rtl="0" eaLnBrk="1" latinLnBrk="0" hangingPunct="1">
+      <a:defRPr sz="2129" kern="1200">
         <a:solidFill>
           <a:schemeClr val="tx1"/>
         </a:solidFill>
@@ -56,8 +57,8 @@
         <a:cs typeface="+mn-cs"/>
       </a:defRPr>
     </a:lvl4pPr>
-    <a:lvl5pPr marL="1828800" algn="l" defTabSz="457200" rtl="0" eaLnBrk="1" latinLnBrk="0" hangingPunct="1">
-      <a:defRPr sz="1800" kern="1200">
+    <a:lvl5pPr marL="2162691" algn="l" defTabSz="540672" rtl="0" eaLnBrk="1" latinLnBrk="0" hangingPunct="1">
+      <a:defRPr sz="2129" kern="1200">
         <a:solidFill>
           <a:schemeClr val="tx1"/>
         </a:solidFill>
@@ -66,8 +67,8 @@
         <a:cs typeface="+mn-cs"/>
       </a:defRPr>
     </a:lvl5pPr>
-    <a:lvl6pPr marL="2286000" algn="l" defTabSz="457200" rtl="0" eaLnBrk="1" latinLnBrk="0" hangingPunct="1">
-      <a:defRPr sz="1800" kern="1200">
+    <a:lvl6pPr marL="2703364" algn="l" defTabSz="540672" rtl="0" eaLnBrk="1" latinLnBrk="0" hangingPunct="1">
+      <a:defRPr sz="2129" kern="1200">
         <a:solidFill>
           <a:schemeClr val="tx1"/>
         </a:solidFill>
@@ -76,8 +77,8 @@
         <a:cs typeface="+mn-cs"/>
       </a:defRPr>
     </a:lvl6pPr>
-    <a:lvl7pPr marL="2743200" algn="l" defTabSz="457200" rtl="0" eaLnBrk="1" latinLnBrk="0" hangingPunct="1">
-      <a:defRPr sz="1800" kern="1200">
+    <a:lvl7pPr marL="3244036" algn="l" defTabSz="540672" rtl="0" eaLnBrk="1" latinLnBrk="0" hangingPunct="1">
+      <a:defRPr sz="2129" kern="1200">
         <a:solidFill>
           <a:schemeClr val="tx1"/>
         </a:solidFill>
@@ -86,8 +87,8 @@
         <a:cs typeface="+mn-cs"/>
       </a:defRPr>
     </a:lvl7pPr>
-    <a:lvl8pPr marL="3200400" algn="l" defTabSz="457200" rtl="0" eaLnBrk="1" latinLnBrk="0" hangingPunct="1">
-      <a:defRPr sz="1800" kern="1200">
+    <a:lvl8pPr marL="3784709" algn="l" defTabSz="540672" rtl="0" eaLnBrk="1" latinLnBrk="0" hangingPunct="1">
+      <a:defRPr sz="2129" kern="1200">
         <a:solidFill>
           <a:schemeClr val="tx1"/>
         </a:solidFill>
@@ -96,8 +97,8 @@
         <a:cs typeface="+mn-cs"/>
       </a:defRPr>
     </a:lvl8pPr>
-    <a:lvl9pPr marL="3657600" algn="l" defTabSz="457200" rtl="0" eaLnBrk="1" latinLnBrk="0" hangingPunct="1">
-      <a:defRPr sz="1800" kern="1200">
+    <a:lvl9pPr marL="4325381" algn="l" defTabSz="540672" rtl="0" eaLnBrk="1" latinLnBrk="0" hangingPunct="1">
+      <a:defRPr sz="2129" kern="1200">
         <a:solidFill>
           <a:schemeClr val="tx1"/>
         </a:solidFill>
@@ -109,13 +110,13 @@
   </p:defaultTextStyle>
   <p:extLst>
     <p:ext uri="{EFAFB233-063F-42B5-8137-9DF3F51BA10A}">
-      <p15:sldGuideLst xmlns="" xmlns:p15="http://schemas.microsoft.com/office/powerpoint/2012/main">
-        <p15:guide id="1" orient="horz" pos="2160">
+      <p15:sldGuideLst xmlns:p15="http://schemas.microsoft.com/office/powerpoint/2012/main">
+        <p15:guide id="1" orient="horz" pos="2592" userDrawn="1">
           <p15:clr>
             <a:srgbClr val="A4A3A4"/>
           </p15:clr>
         </p15:guide>
-        <p15:guide id="2" pos="3514">
+        <p15:guide id="2" pos="3024" userDrawn="1">
           <p15:clr>
             <a:srgbClr val="A4A3A4"/>
           </p15:clr>
@@ -208,7 +209,7 @@
           <a:p>
             <a:fld id="{18FE04CF-4456-46AA-BE77-1986DE188526}" type="datetimeFigureOut">
               <a:rPr lang="en-US" smtClean="0"/>
-              <a:t>2/27/17</a:t>
+              <a:t>3/1/2017</a:t>
             </a:fld>
             <a:endParaRPr lang="en-US"/>
           </a:p>
@@ -226,8 +227,8 @@
         </p:nvSpPr>
         <p:spPr>
           <a:xfrm>
-            <a:off x="919163" y="1143000"/>
-            <a:ext cx="5019675" cy="3086100"/>
+            <a:off x="1628775" y="1143000"/>
+            <a:ext cx="3600450" cy="3086100"/>
           </a:xfrm>
           <a:prstGeom prst="rect">
             <a:avLst/>
@@ -381,8 +382,8 @@
   </p:cSld>
   <p:clrMap bg1="lt1" tx1="dk1" bg2="lt2" tx2="dk2" accent1="accent1" accent2="accent2" accent3="accent3" accent4="accent4" accent5="accent5" accent6="accent6" hlink="hlink" folHlink="folHlink"/>
   <p:notesStyle>
-    <a:lvl1pPr marL="0" algn="l" defTabSz="914400" rtl="0" eaLnBrk="1" latinLnBrk="0" hangingPunct="1">
-      <a:defRPr sz="1200" kern="1200">
+    <a:lvl1pPr marL="0" algn="l" defTabSz="1081345" rtl="0" eaLnBrk="1" latinLnBrk="0" hangingPunct="1">
+      <a:defRPr sz="1419" kern="1200">
         <a:solidFill>
           <a:schemeClr val="tx1"/>
         </a:solidFill>
@@ -391,8 +392,8 @@
         <a:cs typeface="+mn-cs"/>
       </a:defRPr>
     </a:lvl1pPr>
-    <a:lvl2pPr marL="457200" algn="l" defTabSz="914400" rtl="0" eaLnBrk="1" latinLnBrk="0" hangingPunct="1">
-      <a:defRPr sz="1200" kern="1200">
+    <a:lvl2pPr marL="540672" algn="l" defTabSz="1081345" rtl="0" eaLnBrk="1" latinLnBrk="0" hangingPunct="1">
+      <a:defRPr sz="1419" kern="1200">
         <a:solidFill>
           <a:schemeClr val="tx1"/>
         </a:solidFill>
@@ -401,8 +402,8 @@
         <a:cs typeface="+mn-cs"/>
       </a:defRPr>
     </a:lvl2pPr>
-    <a:lvl3pPr marL="914400" algn="l" defTabSz="914400" rtl="0" eaLnBrk="1" latinLnBrk="0" hangingPunct="1">
-      <a:defRPr sz="1200" kern="1200">
+    <a:lvl3pPr marL="1081345" algn="l" defTabSz="1081345" rtl="0" eaLnBrk="1" latinLnBrk="0" hangingPunct="1">
+      <a:defRPr sz="1419" kern="1200">
         <a:solidFill>
           <a:schemeClr val="tx1"/>
         </a:solidFill>
@@ -411,8 +412,8 @@
         <a:cs typeface="+mn-cs"/>
       </a:defRPr>
     </a:lvl3pPr>
-    <a:lvl4pPr marL="1371600" algn="l" defTabSz="914400" rtl="0" eaLnBrk="1" latinLnBrk="0" hangingPunct="1">
-      <a:defRPr sz="1200" kern="1200">
+    <a:lvl4pPr marL="1622019" algn="l" defTabSz="1081345" rtl="0" eaLnBrk="1" latinLnBrk="0" hangingPunct="1">
+      <a:defRPr sz="1419" kern="1200">
         <a:solidFill>
           <a:schemeClr val="tx1"/>
         </a:solidFill>
@@ -421,8 +422,8 @@
         <a:cs typeface="+mn-cs"/>
       </a:defRPr>
     </a:lvl4pPr>
-    <a:lvl5pPr marL="1828800" algn="l" defTabSz="914400" rtl="0" eaLnBrk="1" latinLnBrk="0" hangingPunct="1">
-      <a:defRPr sz="1200" kern="1200">
+    <a:lvl5pPr marL="2162691" algn="l" defTabSz="1081345" rtl="0" eaLnBrk="1" latinLnBrk="0" hangingPunct="1">
+      <a:defRPr sz="1419" kern="1200">
         <a:solidFill>
           <a:schemeClr val="tx1"/>
         </a:solidFill>
@@ -431,8 +432,8 @@
         <a:cs typeface="+mn-cs"/>
       </a:defRPr>
     </a:lvl5pPr>
-    <a:lvl6pPr marL="2286000" algn="l" defTabSz="914400" rtl="0" eaLnBrk="1" latinLnBrk="0" hangingPunct="1">
-      <a:defRPr sz="1200" kern="1200">
+    <a:lvl6pPr marL="2703364" algn="l" defTabSz="1081345" rtl="0" eaLnBrk="1" latinLnBrk="0" hangingPunct="1">
+      <a:defRPr sz="1419" kern="1200">
         <a:solidFill>
           <a:schemeClr val="tx1"/>
         </a:solidFill>
@@ -441,8 +442,8 @@
         <a:cs typeface="+mn-cs"/>
       </a:defRPr>
     </a:lvl6pPr>
-    <a:lvl7pPr marL="2743200" algn="l" defTabSz="914400" rtl="0" eaLnBrk="1" latinLnBrk="0" hangingPunct="1">
-      <a:defRPr sz="1200" kern="1200">
+    <a:lvl7pPr marL="3244036" algn="l" defTabSz="1081345" rtl="0" eaLnBrk="1" latinLnBrk="0" hangingPunct="1">
+      <a:defRPr sz="1419" kern="1200">
         <a:solidFill>
           <a:schemeClr val="tx1"/>
         </a:solidFill>
@@ -451,8 +452,8 @@
         <a:cs typeface="+mn-cs"/>
       </a:defRPr>
     </a:lvl7pPr>
-    <a:lvl8pPr marL="3200400" algn="l" defTabSz="914400" rtl="0" eaLnBrk="1" latinLnBrk="0" hangingPunct="1">
-      <a:defRPr sz="1200" kern="1200">
+    <a:lvl8pPr marL="3784709" algn="l" defTabSz="1081345" rtl="0" eaLnBrk="1" latinLnBrk="0" hangingPunct="1">
+      <a:defRPr sz="1419" kern="1200">
         <a:solidFill>
           <a:schemeClr val="tx1"/>
         </a:solidFill>
@@ -461,8 +462,8 @@
         <a:cs typeface="+mn-cs"/>
       </a:defRPr>
     </a:lvl8pPr>
-    <a:lvl9pPr marL="3657600" algn="l" defTabSz="914400" rtl="0" eaLnBrk="1" latinLnBrk="0" hangingPunct="1">
-      <a:defRPr sz="1200" kern="1200">
+    <a:lvl9pPr marL="4325381" algn="l" defTabSz="1081345" rtl="0" eaLnBrk="1" latinLnBrk="0" hangingPunct="1">
+      <a:defRPr sz="1419" kern="1200">
         <a:solidFill>
           <a:schemeClr val="tx1"/>
         </a:solidFill>
@@ -502,7 +503,12 @@
             <p:ph type="sldImg"/>
           </p:nvPr>
         </p:nvSpPr>
-        <p:spPr/>
+        <p:spPr>
+          <a:xfrm>
+            <a:off x="1628775" y="1143000"/>
+            <a:ext cx="3600450" cy="3086100"/>
+          </a:xfrm>
+        </p:spPr>
       </p:sp>
       <p:sp>
         <p:nvSpPr>
@@ -588,8 +594,8 @@
         </p:nvSpPr>
         <p:spPr>
           <a:xfrm>
-            <a:off x="836652" y="2130427"/>
-            <a:ext cx="9482059" cy="1470025"/>
+            <a:off x="720093" y="2556514"/>
+            <a:ext cx="8161021" cy="1764030"/>
           </a:xfrm>
         </p:spPr>
         <p:txBody>
@@ -615,8 +621,8 @@
         </p:nvSpPr>
         <p:spPr>
           <a:xfrm>
-            <a:off x="1673305" y="3886200"/>
-            <a:ext cx="7808754" cy="1752600"/>
+            <a:off x="1440182" y="4663440"/>
+            <a:ext cx="6720840" cy="2103120"/>
           </a:xfrm>
         </p:spPr>
         <p:txBody>
@@ -632,7 +638,7 @@
                 </a:solidFill>
               </a:defRPr>
             </a:lvl1pPr>
-            <a:lvl2pPr marL="457200" indent="0" algn="ctr">
+            <a:lvl2pPr marL="457163" indent="0" algn="ctr">
               <a:buNone/>
               <a:defRPr>
                 <a:solidFill>
@@ -642,7 +648,7 @@
                 </a:solidFill>
               </a:defRPr>
             </a:lvl2pPr>
-            <a:lvl3pPr marL="914400" indent="0" algn="ctr">
+            <a:lvl3pPr marL="914326" indent="0" algn="ctr">
               <a:buNone/>
               <a:defRPr>
                 <a:solidFill>
@@ -652,7 +658,7 @@
                 </a:solidFill>
               </a:defRPr>
             </a:lvl3pPr>
-            <a:lvl4pPr marL="1371600" indent="0" algn="ctr">
+            <a:lvl4pPr marL="1371490" indent="0" algn="ctr">
               <a:buNone/>
               <a:defRPr>
                 <a:solidFill>
@@ -662,7 +668,7 @@
                 </a:solidFill>
               </a:defRPr>
             </a:lvl4pPr>
-            <a:lvl5pPr marL="1828800" indent="0" algn="ctr">
+            <a:lvl5pPr marL="1828652" indent="0" algn="ctr">
               <a:buNone/>
               <a:defRPr>
                 <a:solidFill>
@@ -672,7 +678,7 @@
                 </a:solidFill>
               </a:defRPr>
             </a:lvl5pPr>
-            <a:lvl6pPr marL="2286000" indent="0" algn="ctr">
+            <a:lvl6pPr marL="2285816" indent="0" algn="ctr">
               <a:buNone/>
               <a:defRPr>
                 <a:solidFill>
@@ -682,7 +688,7 @@
                 </a:solidFill>
               </a:defRPr>
             </a:lvl6pPr>
-            <a:lvl7pPr marL="2743200" indent="0" algn="ctr">
+            <a:lvl7pPr marL="2742978" indent="0" algn="ctr">
               <a:buNone/>
               <a:defRPr>
                 <a:solidFill>
@@ -692,7 +698,7 @@
                 </a:solidFill>
               </a:defRPr>
             </a:lvl7pPr>
-            <a:lvl8pPr marL="3200400" indent="0" algn="ctr">
+            <a:lvl8pPr marL="3200141" indent="0" algn="ctr">
               <a:buNone/>
               <a:defRPr>
                 <a:solidFill>
@@ -702,7 +708,7 @@
                 </a:solidFill>
               </a:defRPr>
             </a:lvl8pPr>
-            <a:lvl9pPr marL="3657600" indent="0" algn="ctr">
+            <a:lvl9pPr marL="3657304" indent="0" algn="ctr">
               <a:buNone/>
               <a:defRPr>
                 <a:solidFill>
@@ -738,7 +744,7 @@
           <a:p>
             <a:fld id="{99A0145A-2071-0644-A8C1-E274C944D784}" type="datetimeFigureOut">
               <a:rPr lang="en-US" smtClean="0"/>
-              <a:t>2/27/17</a:t>
+              <a:t>3/1/2017</a:t>
             </a:fld>
             <a:endParaRPr lang="en-US"/>
           </a:p>
@@ -906,7 +912,7 @@
           <a:p>
             <a:fld id="{99A0145A-2071-0644-A8C1-E274C944D784}" type="datetimeFigureOut">
               <a:rPr lang="en-US" smtClean="0"/>
-              <a:t>2/27/17</a:t>
+              <a:t>3/1/2017</a:t>
             </a:fld>
             <a:endParaRPr lang="en-US"/>
           </a:p>
@@ -996,8 +1002,8 @@
         </p:nvSpPr>
         <p:spPr>
           <a:xfrm>
-            <a:off x="8087638" y="274640"/>
-            <a:ext cx="2509957" cy="5851525"/>
+            <a:off x="6960872" y="329570"/>
+            <a:ext cx="2160270" cy="7021830"/>
           </a:xfrm>
         </p:spPr>
         <p:txBody>
@@ -1023,8 +1029,8 @@
         </p:nvSpPr>
         <p:spPr>
           <a:xfrm>
-            <a:off x="557768" y="274640"/>
-            <a:ext cx="7343947" cy="5851525"/>
+            <a:off x="480060" y="329570"/>
+            <a:ext cx="6320790" cy="7021830"/>
           </a:xfrm>
         </p:spPr>
         <p:txBody>
@@ -1084,7 +1090,7 @@
           <a:p>
             <a:fld id="{99A0145A-2071-0644-A8C1-E274C944D784}" type="datetimeFigureOut">
               <a:rPr lang="en-US" smtClean="0"/>
-              <a:t>2/27/17</a:t>
+              <a:t>3/1/2017</a:t>
             </a:fld>
             <a:endParaRPr lang="en-US"/>
           </a:p>
@@ -1252,7 +1258,7 @@
           <a:p>
             <a:fld id="{99A0145A-2071-0644-A8C1-E274C944D784}" type="datetimeFigureOut">
               <a:rPr lang="en-US" smtClean="0"/>
-              <a:t>2/27/17</a:t>
+              <a:t>3/1/2017</a:t>
             </a:fld>
             <a:endParaRPr lang="en-US"/>
           </a:p>
@@ -1342,15 +1348,15 @@
         </p:nvSpPr>
         <p:spPr>
           <a:xfrm>
-            <a:off x="881197" y="4406902"/>
-            <a:ext cx="9482059" cy="1362075"/>
+            <a:off x="758432" y="5288284"/>
+            <a:ext cx="8161021" cy="1634490"/>
           </a:xfrm>
         </p:spPr>
         <p:txBody>
           <a:bodyPr anchor="t"/>
           <a:lstStyle>
             <a:lvl1pPr algn="l">
-              <a:defRPr sz="4000" b="1" cap="all"/>
+              <a:defRPr sz="3999" b="1" cap="all"/>
             </a:lvl1pPr>
           </a:lstStyle>
           <a:p>
@@ -1373,8 +1379,8 @@
         </p:nvSpPr>
         <p:spPr>
           <a:xfrm>
-            <a:off x="881197" y="2906713"/>
-            <a:ext cx="9482059" cy="1500187"/>
+            <a:off x="758432" y="3488056"/>
+            <a:ext cx="8161021" cy="1800224"/>
           </a:xfrm>
         </p:spPr>
         <p:txBody>
@@ -1382,7 +1388,7 @@
           <a:lstStyle>
             <a:lvl1pPr marL="0" indent="0">
               <a:buNone/>
-              <a:defRPr sz="2000">
+              <a:defRPr sz="1999">
                 <a:solidFill>
                   <a:schemeClr val="tx1">
                     <a:tint val="75000"/>
@@ -1390,9 +1396,9 @@
                 </a:solidFill>
               </a:defRPr>
             </a:lvl1pPr>
-            <a:lvl2pPr marL="457200" indent="0">
-              <a:buNone/>
-              <a:defRPr sz="1800">
+            <a:lvl2pPr marL="457163" indent="0">
+              <a:buNone/>
+              <a:defRPr sz="1801">
                 <a:solidFill>
                   <a:schemeClr val="tx1">
                     <a:tint val="75000"/>
@@ -1400,7 +1406,7 @@
                 </a:solidFill>
               </a:defRPr>
             </a:lvl2pPr>
-            <a:lvl3pPr marL="914400" indent="0">
+            <a:lvl3pPr marL="914326" indent="0">
               <a:buNone/>
               <a:defRPr sz="1600">
                 <a:solidFill>
@@ -1410,7 +1416,7 @@
                 </a:solidFill>
               </a:defRPr>
             </a:lvl3pPr>
-            <a:lvl4pPr marL="1371600" indent="0">
+            <a:lvl4pPr marL="1371490" indent="0">
               <a:buNone/>
               <a:defRPr sz="1400">
                 <a:solidFill>
@@ -1420,7 +1426,7 @@
                 </a:solidFill>
               </a:defRPr>
             </a:lvl4pPr>
-            <a:lvl5pPr marL="1828800" indent="0">
+            <a:lvl5pPr marL="1828652" indent="0">
               <a:buNone/>
               <a:defRPr sz="1400">
                 <a:solidFill>
@@ -1430,7 +1436,7 @@
                 </a:solidFill>
               </a:defRPr>
             </a:lvl5pPr>
-            <a:lvl6pPr marL="2286000" indent="0">
+            <a:lvl6pPr marL="2285816" indent="0">
               <a:buNone/>
               <a:defRPr sz="1400">
                 <a:solidFill>
@@ -1440,7 +1446,7 @@
                 </a:solidFill>
               </a:defRPr>
             </a:lvl6pPr>
-            <a:lvl7pPr marL="2743200" indent="0">
+            <a:lvl7pPr marL="2742978" indent="0">
               <a:buNone/>
               <a:defRPr sz="1400">
                 <a:solidFill>
@@ -1450,7 +1456,7 @@
                 </a:solidFill>
               </a:defRPr>
             </a:lvl7pPr>
-            <a:lvl8pPr marL="3200400" indent="0">
+            <a:lvl8pPr marL="3200141" indent="0">
               <a:buNone/>
               <a:defRPr sz="1400">
                 <a:solidFill>
@@ -1460,7 +1466,7 @@
                 </a:solidFill>
               </a:defRPr>
             </a:lvl8pPr>
-            <a:lvl9pPr marL="3657600" indent="0">
+            <a:lvl9pPr marL="3657304" indent="0">
               <a:buNone/>
               <a:defRPr sz="1400">
                 <a:solidFill>
@@ -1497,7 +1503,7 @@
           <a:p>
             <a:fld id="{99A0145A-2071-0644-A8C1-E274C944D784}" type="datetimeFigureOut">
               <a:rPr lang="en-US" smtClean="0"/>
-              <a:t>2/27/17</a:t>
+              <a:t>3/1/2017</a:t>
             </a:fld>
             <a:endParaRPr lang="en-US"/>
           </a:p>
@@ -1609,8 +1615,8 @@
         </p:nvSpPr>
         <p:spPr>
           <a:xfrm>
-            <a:off x="557768" y="1600202"/>
-            <a:ext cx="4926952" cy="4525963"/>
+            <a:off x="480060" y="1920244"/>
+            <a:ext cx="4240530" cy="5431156"/>
           </a:xfrm>
         </p:spPr>
         <p:txBody>
@@ -1620,28 +1626,28 @@
               <a:defRPr sz="2800"/>
             </a:lvl1pPr>
             <a:lvl2pPr>
-              <a:defRPr sz="2400"/>
+              <a:defRPr sz="2399"/>
             </a:lvl2pPr>
             <a:lvl3pPr>
-              <a:defRPr sz="2000"/>
+              <a:defRPr sz="1999"/>
             </a:lvl3pPr>
             <a:lvl4pPr>
-              <a:defRPr sz="1800"/>
+              <a:defRPr sz="1801"/>
             </a:lvl4pPr>
             <a:lvl5pPr>
-              <a:defRPr sz="1800"/>
+              <a:defRPr sz="1801"/>
             </a:lvl5pPr>
             <a:lvl6pPr>
-              <a:defRPr sz="1800"/>
+              <a:defRPr sz="1801"/>
             </a:lvl6pPr>
             <a:lvl7pPr>
-              <a:defRPr sz="1800"/>
+              <a:defRPr sz="1801"/>
             </a:lvl7pPr>
             <a:lvl8pPr>
-              <a:defRPr sz="1800"/>
+              <a:defRPr sz="1801"/>
             </a:lvl8pPr>
             <a:lvl9pPr>
-              <a:defRPr sz="1800"/>
+              <a:defRPr sz="1801"/>
             </a:lvl9pPr>
           </a:lstStyle>
           <a:p>
@@ -1693,8 +1699,8 @@
         </p:nvSpPr>
         <p:spPr>
           <a:xfrm>
-            <a:off x="5670643" y="1600202"/>
-            <a:ext cx="4926952" cy="4525963"/>
+            <a:off x="4880610" y="1920244"/>
+            <a:ext cx="4240530" cy="5431156"/>
           </a:xfrm>
         </p:spPr>
         <p:txBody>
@@ -1704,28 +1710,28 @@
               <a:defRPr sz="2800"/>
             </a:lvl1pPr>
             <a:lvl2pPr>
-              <a:defRPr sz="2400"/>
+              <a:defRPr sz="2399"/>
             </a:lvl2pPr>
             <a:lvl3pPr>
-              <a:defRPr sz="2000"/>
+              <a:defRPr sz="1999"/>
             </a:lvl3pPr>
             <a:lvl4pPr>
-              <a:defRPr sz="1800"/>
+              <a:defRPr sz="1801"/>
             </a:lvl4pPr>
             <a:lvl5pPr>
-              <a:defRPr sz="1800"/>
+              <a:defRPr sz="1801"/>
             </a:lvl5pPr>
             <a:lvl6pPr>
-              <a:defRPr sz="1800"/>
+              <a:defRPr sz="1801"/>
             </a:lvl6pPr>
             <a:lvl7pPr>
-              <a:defRPr sz="1800"/>
+              <a:defRPr sz="1801"/>
             </a:lvl7pPr>
             <a:lvl8pPr>
-              <a:defRPr sz="1800"/>
+              <a:defRPr sz="1801"/>
             </a:lvl8pPr>
             <a:lvl9pPr>
-              <a:defRPr sz="1800"/>
+              <a:defRPr sz="1801"/>
             </a:lvl9pPr>
           </a:lstStyle>
           <a:p>
@@ -1782,7 +1788,7 @@
           <a:p>
             <a:fld id="{99A0145A-2071-0644-A8C1-E274C944D784}" type="datetimeFigureOut">
               <a:rPr lang="en-US" smtClean="0"/>
-              <a:t>2/27/17</a:t>
+              <a:t>3/1/2017</a:t>
             </a:fld>
             <a:endParaRPr lang="en-US"/>
           </a:p>
@@ -1898,8 +1904,8 @@
         </p:nvSpPr>
         <p:spPr>
           <a:xfrm>
-            <a:off x="557768" y="1535113"/>
-            <a:ext cx="4928890" cy="639762"/>
+            <a:off x="480062" y="1842136"/>
+            <a:ext cx="4242198" cy="767714"/>
           </a:xfrm>
         </p:spPr>
         <p:txBody>
@@ -1907,37 +1913,37 @@
           <a:lstStyle>
             <a:lvl1pPr marL="0" indent="0">
               <a:buNone/>
-              <a:defRPr sz="2400" b="1"/>
+              <a:defRPr sz="2399" b="1"/>
             </a:lvl1pPr>
-            <a:lvl2pPr marL="457200" indent="0">
-              <a:buNone/>
-              <a:defRPr sz="2000" b="1"/>
+            <a:lvl2pPr marL="457163" indent="0">
+              <a:buNone/>
+              <a:defRPr sz="1999" b="1"/>
             </a:lvl2pPr>
-            <a:lvl3pPr marL="914400" indent="0">
-              <a:buNone/>
-              <a:defRPr sz="1800" b="1"/>
+            <a:lvl3pPr marL="914326" indent="0">
+              <a:buNone/>
+              <a:defRPr sz="1801" b="1"/>
             </a:lvl3pPr>
-            <a:lvl4pPr marL="1371600" indent="0">
+            <a:lvl4pPr marL="1371490" indent="0">
               <a:buNone/>
               <a:defRPr sz="1600" b="1"/>
             </a:lvl4pPr>
-            <a:lvl5pPr marL="1828800" indent="0">
+            <a:lvl5pPr marL="1828652" indent="0">
               <a:buNone/>
               <a:defRPr sz="1600" b="1"/>
             </a:lvl5pPr>
-            <a:lvl6pPr marL="2286000" indent="0">
+            <a:lvl6pPr marL="2285816" indent="0">
               <a:buNone/>
               <a:defRPr sz="1600" b="1"/>
             </a:lvl6pPr>
-            <a:lvl7pPr marL="2743200" indent="0">
+            <a:lvl7pPr marL="2742978" indent="0">
               <a:buNone/>
               <a:defRPr sz="1600" b="1"/>
             </a:lvl7pPr>
-            <a:lvl8pPr marL="3200400" indent="0">
+            <a:lvl8pPr marL="3200141" indent="0">
               <a:buNone/>
               <a:defRPr sz="1600" b="1"/>
             </a:lvl8pPr>
-            <a:lvl9pPr marL="3657600" indent="0">
+            <a:lvl9pPr marL="3657304" indent="0">
               <a:buNone/>
               <a:defRPr sz="1600" b="1"/>
             </a:lvl9pPr>
@@ -1963,21 +1969,21 @@
         </p:nvSpPr>
         <p:spPr>
           <a:xfrm>
-            <a:off x="557768" y="2174875"/>
-            <a:ext cx="4928890" cy="3951288"/>
+            <a:off x="480062" y="2609850"/>
+            <a:ext cx="4242198" cy="4741546"/>
           </a:xfrm>
         </p:spPr>
         <p:txBody>
           <a:bodyPr/>
           <a:lstStyle>
             <a:lvl1pPr>
-              <a:defRPr sz="2400"/>
+              <a:defRPr sz="2399"/>
             </a:lvl1pPr>
             <a:lvl2pPr>
-              <a:defRPr sz="2000"/>
+              <a:defRPr sz="1999"/>
             </a:lvl2pPr>
             <a:lvl3pPr>
-              <a:defRPr sz="1800"/>
+              <a:defRPr sz="1801"/>
             </a:lvl3pPr>
             <a:lvl4pPr>
               <a:defRPr sz="1600"/>
@@ -2047,8 +2053,8 @@
         </p:nvSpPr>
         <p:spPr>
           <a:xfrm>
-            <a:off x="5666771" y="1535113"/>
-            <a:ext cx="4930825" cy="639762"/>
+            <a:off x="4877279" y="1842136"/>
+            <a:ext cx="4243863" cy="767714"/>
           </a:xfrm>
         </p:spPr>
         <p:txBody>
@@ -2056,37 +2062,37 @@
           <a:lstStyle>
             <a:lvl1pPr marL="0" indent="0">
               <a:buNone/>
-              <a:defRPr sz="2400" b="1"/>
+              <a:defRPr sz="2399" b="1"/>
             </a:lvl1pPr>
-            <a:lvl2pPr marL="457200" indent="0">
-              <a:buNone/>
-              <a:defRPr sz="2000" b="1"/>
+            <a:lvl2pPr marL="457163" indent="0">
+              <a:buNone/>
+              <a:defRPr sz="1999" b="1"/>
             </a:lvl2pPr>
-            <a:lvl3pPr marL="914400" indent="0">
-              <a:buNone/>
-              <a:defRPr sz="1800" b="1"/>
+            <a:lvl3pPr marL="914326" indent="0">
+              <a:buNone/>
+              <a:defRPr sz="1801" b="1"/>
             </a:lvl3pPr>
-            <a:lvl4pPr marL="1371600" indent="0">
+            <a:lvl4pPr marL="1371490" indent="0">
               <a:buNone/>
               <a:defRPr sz="1600" b="1"/>
             </a:lvl4pPr>
-            <a:lvl5pPr marL="1828800" indent="0">
+            <a:lvl5pPr marL="1828652" indent="0">
               <a:buNone/>
               <a:defRPr sz="1600" b="1"/>
             </a:lvl5pPr>
-            <a:lvl6pPr marL="2286000" indent="0">
+            <a:lvl6pPr marL="2285816" indent="0">
               <a:buNone/>
               <a:defRPr sz="1600" b="1"/>
             </a:lvl6pPr>
-            <a:lvl7pPr marL="2743200" indent="0">
+            <a:lvl7pPr marL="2742978" indent="0">
               <a:buNone/>
               <a:defRPr sz="1600" b="1"/>
             </a:lvl7pPr>
-            <a:lvl8pPr marL="3200400" indent="0">
+            <a:lvl8pPr marL="3200141" indent="0">
               <a:buNone/>
               <a:defRPr sz="1600" b="1"/>
             </a:lvl8pPr>
-            <a:lvl9pPr marL="3657600" indent="0">
+            <a:lvl9pPr marL="3657304" indent="0">
               <a:buNone/>
               <a:defRPr sz="1600" b="1"/>
             </a:lvl9pPr>
@@ -2112,21 +2118,21 @@
         </p:nvSpPr>
         <p:spPr>
           <a:xfrm>
-            <a:off x="5666771" y="2174875"/>
-            <a:ext cx="4930825" cy="3951288"/>
+            <a:off x="4877279" y="2609850"/>
+            <a:ext cx="4243863" cy="4741546"/>
           </a:xfrm>
         </p:spPr>
         <p:txBody>
           <a:bodyPr/>
           <a:lstStyle>
             <a:lvl1pPr>
-              <a:defRPr sz="2400"/>
+              <a:defRPr sz="2399"/>
             </a:lvl1pPr>
             <a:lvl2pPr>
-              <a:defRPr sz="2000"/>
+              <a:defRPr sz="1999"/>
             </a:lvl2pPr>
             <a:lvl3pPr>
-              <a:defRPr sz="1800"/>
+              <a:defRPr sz="1801"/>
             </a:lvl3pPr>
             <a:lvl4pPr>
               <a:defRPr sz="1600"/>
@@ -2201,7 +2207,7 @@
           <a:p>
             <a:fld id="{99A0145A-2071-0644-A8C1-E274C944D784}" type="datetimeFigureOut">
               <a:rPr lang="en-US" smtClean="0"/>
-              <a:t>2/27/17</a:t>
+              <a:t>3/1/2017</a:t>
             </a:fld>
             <a:endParaRPr lang="en-US"/>
           </a:p>
@@ -2318,7 +2324,7 @@
           <a:p>
             <a:fld id="{99A0145A-2071-0644-A8C1-E274C944D784}" type="datetimeFigureOut">
               <a:rPr lang="en-US" smtClean="0"/>
-              <a:t>2/27/17</a:t>
+              <a:t>3/1/2017</a:t>
             </a:fld>
             <a:endParaRPr lang="en-US"/>
           </a:p>
@@ -2413,7 +2419,7 @@
           <a:p>
             <a:fld id="{99A0145A-2071-0644-A8C1-E274C944D784}" type="datetimeFigureOut">
               <a:rPr lang="en-US" smtClean="0"/>
-              <a:t>2/27/17</a:t>
+              <a:t>3/1/2017</a:t>
             </a:fld>
             <a:endParaRPr lang="en-US"/>
           </a:p>
@@ -2503,15 +2509,15 @@
         </p:nvSpPr>
         <p:spPr>
           <a:xfrm>
-            <a:off x="557768" y="273050"/>
-            <a:ext cx="3670038" cy="1162050"/>
+            <a:off x="480061" y="327660"/>
+            <a:ext cx="3158730" cy="1394460"/>
           </a:xfrm>
         </p:spPr>
         <p:txBody>
           <a:bodyPr anchor="b"/>
           <a:lstStyle>
             <a:lvl1pPr algn="l">
-              <a:defRPr sz="2000" b="1"/>
+              <a:defRPr sz="1999" b="1"/>
             </a:lvl1pPr>
           </a:lstStyle>
           <a:p>
@@ -2534,39 +2540,39 @@
         </p:nvSpPr>
         <p:spPr>
           <a:xfrm>
-            <a:off x="4361437" y="273052"/>
-            <a:ext cx="6236158" cy="5853113"/>
+            <a:off x="3753802" y="327664"/>
+            <a:ext cx="5367339" cy="7023736"/>
           </a:xfrm>
         </p:spPr>
         <p:txBody>
           <a:bodyPr/>
           <a:lstStyle>
             <a:lvl1pPr>
-              <a:defRPr sz="3200"/>
+              <a:defRPr sz="3199"/>
             </a:lvl1pPr>
             <a:lvl2pPr>
               <a:defRPr sz="2800"/>
             </a:lvl2pPr>
             <a:lvl3pPr>
-              <a:defRPr sz="2400"/>
+              <a:defRPr sz="2399"/>
             </a:lvl3pPr>
             <a:lvl4pPr>
-              <a:defRPr sz="2000"/>
+              <a:defRPr sz="1999"/>
             </a:lvl4pPr>
             <a:lvl5pPr>
-              <a:defRPr sz="2000"/>
+              <a:defRPr sz="1999"/>
             </a:lvl5pPr>
             <a:lvl6pPr>
-              <a:defRPr sz="2000"/>
+              <a:defRPr sz="1999"/>
             </a:lvl6pPr>
             <a:lvl7pPr>
-              <a:defRPr sz="2000"/>
+              <a:defRPr sz="1999"/>
             </a:lvl7pPr>
             <a:lvl8pPr>
-              <a:defRPr sz="2000"/>
+              <a:defRPr sz="1999"/>
             </a:lvl8pPr>
             <a:lvl9pPr>
-              <a:defRPr sz="2000"/>
+              <a:defRPr sz="1999"/>
             </a:lvl9pPr>
           </a:lstStyle>
           <a:p>
@@ -2618,8 +2624,8 @@
         </p:nvSpPr>
         <p:spPr>
           <a:xfrm>
-            <a:off x="557768" y="1435102"/>
-            <a:ext cx="3670038" cy="4691063"/>
+            <a:off x="480061" y="1722124"/>
+            <a:ext cx="3158730" cy="5629276"/>
           </a:xfrm>
         </p:spPr>
         <p:txBody>
@@ -2629,35 +2635,35 @@
               <a:buNone/>
               <a:defRPr sz="1400"/>
             </a:lvl1pPr>
-            <a:lvl2pPr marL="457200" indent="0">
+            <a:lvl2pPr marL="457163" indent="0">
               <a:buNone/>
               <a:defRPr sz="1200"/>
             </a:lvl2pPr>
-            <a:lvl3pPr marL="914400" indent="0">
+            <a:lvl3pPr marL="914326" indent="0">
               <a:buNone/>
               <a:defRPr sz="1000"/>
             </a:lvl3pPr>
-            <a:lvl4pPr marL="1371600" indent="0">
+            <a:lvl4pPr marL="1371490" indent="0">
               <a:buNone/>
               <a:defRPr sz="900"/>
             </a:lvl4pPr>
-            <a:lvl5pPr marL="1828800" indent="0">
+            <a:lvl5pPr marL="1828652" indent="0">
               <a:buNone/>
               <a:defRPr sz="900"/>
             </a:lvl5pPr>
-            <a:lvl6pPr marL="2286000" indent="0">
+            <a:lvl6pPr marL="2285816" indent="0">
               <a:buNone/>
               <a:defRPr sz="900"/>
             </a:lvl6pPr>
-            <a:lvl7pPr marL="2743200" indent="0">
+            <a:lvl7pPr marL="2742978" indent="0">
               <a:buNone/>
               <a:defRPr sz="900"/>
             </a:lvl7pPr>
-            <a:lvl8pPr marL="3200400" indent="0">
+            <a:lvl8pPr marL="3200141" indent="0">
               <a:buNone/>
               <a:defRPr sz="900"/>
             </a:lvl8pPr>
-            <a:lvl9pPr marL="3657600" indent="0">
+            <a:lvl9pPr marL="3657304" indent="0">
               <a:buNone/>
               <a:defRPr sz="900"/>
             </a:lvl9pPr>
@@ -2688,7 +2694,7 @@
           <a:p>
             <a:fld id="{99A0145A-2071-0644-A8C1-E274C944D784}" type="datetimeFigureOut">
               <a:rPr lang="en-US" smtClean="0"/>
-              <a:t>2/27/17</a:t>
+              <a:t>3/1/2017</a:t>
             </a:fld>
             <a:endParaRPr lang="en-US"/>
           </a:p>
@@ -2778,15 +2784,15 @@
         </p:nvSpPr>
         <p:spPr>
           <a:xfrm>
-            <a:off x="2186530" y="4800600"/>
-            <a:ext cx="6693218" cy="566738"/>
+            <a:off x="1881904" y="5760720"/>
+            <a:ext cx="5760720" cy="680086"/>
           </a:xfrm>
         </p:spPr>
         <p:txBody>
           <a:bodyPr anchor="b"/>
           <a:lstStyle>
             <a:lvl1pPr algn="l">
-              <a:defRPr sz="2000" b="1"/>
+              <a:defRPr sz="1999" b="1"/>
             </a:lvl1pPr>
           </a:lstStyle>
           <a:p>
@@ -2809,8 +2815,8 @@
         </p:nvSpPr>
         <p:spPr>
           <a:xfrm>
-            <a:off x="2186530" y="612775"/>
-            <a:ext cx="6693218" cy="4114800"/>
+            <a:off x="1881904" y="735330"/>
+            <a:ext cx="5760720" cy="4937760"/>
           </a:xfrm>
         </p:spPr>
         <p:txBody>
@@ -2818,39 +2824,39 @@
           <a:lstStyle>
             <a:lvl1pPr marL="0" indent="0">
               <a:buNone/>
-              <a:defRPr sz="3200"/>
+              <a:defRPr sz="3199"/>
             </a:lvl1pPr>
-            <a:lvl2pPr marL="457200" indent="0">
+            <a:lvl2pPr marL="457163" indent="0">
               <a:buNone/>
               <a:defRPr sz="2800"/>
             </a:lvl2pPr>
-            <a:lvl3pPr marL="914400" indent="0">
-              <a:buNone/>
-              <a:defRPr sz="2400"/>
+            <a:lvl3pPr marL="914326" indent="0">
+              <a:buNone/>
+              <a:defRPr sz="2399"/>
             </a:lvl3pPr>
-            <a:lvl4pPr marL="1371600" indent="0">
-              <a:buNone/>
-              <a:defRPr sz="2000"/>
+            <a:lvl4pPr marL="1371490" indent="0">
+              <a:buNone/>
+              <a:defRPr sz="1999"/>
             </a:lvl4pPr>
-            <a:lvl5pPr marL="1828800" indent="0">
-              <a:buNone/>
-              <a:defRPr sz="2000"/>
+            <a:lvl5pPr marL="1828652" indent="0">
+              <a:buNone/>
+              <a:defRPr sz="1999"/>
             </a:lvl5pPr>
-            <a:lvl6pPr marL="2286000" indent="0">
-              <a:buNone/>
-              <a:defRPr sz="2000"/>
+            <a:lvl6pPr marL="2285816" indent="0">
+              <a:buNone/>
+              <a:defRPr sz="1999"/>
             </a:lvl6pPr>
-            <a:lvl7pPr marL="2743200" indent="0">
-              <a:buNone/>
-              <a:defRPr sz="2000"/>
+            <a:lvl7pPr marL="2742978" indent="0">
+              <a:buNone/>
+              <a:defRPr sz="1999"/>
             </a:lvl7pPr>
-            <a:lvl8pPr marL="3200400" indent="0">
-              <a:buNone/>
-              <a:defRPr sz="2000"/>
+            <a:lvl8pPr marL="3200141" indent="0">
+              <a:buNone/>
+              <a:defRPr sz="1999"/>
             </a:lvl8pPr>
-            <a:lvl9pPr marL="3657600" indent="0">
-              <a:buNone/>
-              <a:defRPr sz="2000"/>
+            <a:lvl9pPr marL="3657304" indent="0">
+              <a:buNone/>
+              <a:defRPr sz="1999"/>
             </a:lvl9pPr>
           </a:lstStyle>
           <a:p>
@@ -2870,8 +2876,8 @@
         </p:nvSpPr>
         <p:spPr>
           <a:xfrm>
-            <a:off x="2186530" y="5367338"/>
-            <a:ext cx="6693218" cy="804862"/>
+            <a:off x="1881904" y="6440806"/>
+            <a:ext cx="5760720" cy="965834"/>
           </a:xfrm>
         </p:spPr>
         <p:txBody>
@@ -2881,35 +2887,35 @@
               <a:buNone/>
               <a:defRPr sz="1400"/>
             </a:lvl1pPr>
-            <a:lvl2pPr marL="457200" indent="0">
+            <a:lvl2pPr marL="457163" indent="0">
               <a:buNone/>
               <a:defRPr sz="1200"/>
             </a:lvl2pPr>
-            <a:lvl3pPr marL="914400" indent="0">
+            <a:lvl3pPr marL="914326" indent="0">
               <a:buNone/>
               <a:defRPr sz="1000"/>
             </a:lvl3pPr>
-            <a:lvl4pPr marL="1371600" indent="0">
+            <a:lvl4pPr marL="1371490" indent="0">
               <a:buNone/>
               <a:defRPr sz="900"/>
             </a:lvl4pPr>
-            <a:lvl5pPr marL="1828800" indent="0">
+            <a:lvl5pPr marL="1828652" indent="0">
               <a:buNone/>
               <a:defRPr sz="900"/>
             </a:lvl5pPr>
-            <a:lvl6pPr marL="2286000" indent="0">
+            <a:lvl6pPr marL="2285816" indent="0">
               <a:buNone/>
               <a:defRPr sz="900"/>
             </a:lvl6pPr>
-            <a:lvl7pPr marL="2743200" indent="0">
+            <a:lvl7pPr marL="2742978" indent="0">
               <a:buNone/>
               <a:defRPr sz="900"/>
             </a:lvl7pPr>
-            <a:lvl8pPr marL="3200400" indent="0">
+            <a:lvl8pPr marL="3200141" indent="0">
               <a:buNone/>
               <a:defRPr sz="900"/>
             </a:lvl8pPr>
-            <a:lvl9pPr marL="3657600" indent="0">
+            <a:lvl9pPr marL="3657304" indent="0">
               <a:buNone/>
               <a:defRPr sz="900"/>
             </a:lvl9pPr>
@@ -2940,7 +2946,7 @@
           <a:p>
             <a:fld id="{99A0145A-2071-0644-A8C1-E274C944D784}" type="datetimeFigureOut">
               <a:rPr lang="en-US" smtClean="0"/>
-              <a:t>2/27/17</a:t>
+              <a:t>3/1/2017</a:t>
             </a:fld>
             <a:endParaRPr lang="en-US"/>
           </a:p>
@@ -3035,8 +3041,8 @@
         </p:nvSpPr>
         <p:spPr>
           <a:xfrm>
-            <a:off x="557768" y="274638"/>
-            <a:ext cx="10039827" cy="1143000"/>
+            <a:off x="480063" y="329566"/>
+            <a:ext cx="8641081" cy="1371600"/>
           </a:xfrm>
           <a:prstGeom prst="rect">
             <a:avLst/>
@@ -3067,8 +3073,8 @@
         </p:nvSpPr>
         <p:spPr>
           <a:xfrm>
-            <a:off x="557768" y="1600202"/>
-            <a:ext cx="10039827" cy="4525963"/>
+            <a:off x="480063" y="1920244"/>
+            <a:ext cx="8641081" cy="5431156"/>
           </a:xfrm>
           <a:prstGeom prst="rect">
             <a:avLst/>
@@ -3128,8 +3134,8 @@
         </p:nvSpPr>
         <p:spPr>
           <a:xfrm>
-            <a:off x="557768" y="6356352"/>
-            <a:ext cx="2602918" cy="365125"/>
+            <a:off x="480060" y="7627624"/>
+            <a:ext cx="2240280" cy="438150"/>
           </a:xfrm>
           <a:prstGeom prst="rect">
             <a:avLst/>
@@ -3151,7 +3157,7 @@
           <a:p>
             <a:fld id="{99A0145A-2071-0644-A8C1-E274C944D784}" type="datetimeFigureOut">
               <a:rPr lang="en-US" smtClean="0"/>
-              <a:t>2/27/17</a:t>
+              <a:t>3/1/2017</a:t>
             </a:fld>
             <a:endParaRPr lang="en-US"/>
           </a:p>
@@ -3169,8 +3175,8 @@
         </p:nvSpPr>
         <p:spPr>
           <a:xfrm>
-            <a:off x="3811416" y="6356352"/>
-            <a:ext cx="3532532" cy="365125"/>
+            <a:off x="3280412" y="7627624"/>
+            <a:ext cx="3040380" cy="438150"/>
           </a:xfrm>
           <a:prstGeom prst="rect">
             <a:avLst/>
@@ -3206,8 +3212,8 @@
         </p:nvSpPr>
         <p:spPr>
           <a:xfrm>
-            <a:off x="7994677" y="6356352"/>
-            <a:ext cx="2602918" cy="365125"/>
+            <a:off x="6880860" y="7627624"/>
+            <a:ext cx="2240280" cy="438150"/>
           </a:xfrm>
           <a:prstGeom prst="rect">
             <a:avLst/>
@@ -3258,12 +3264,12 @@
   </p:sldLayoutIdLst>
   <p:txStyles>
     <p:titleStyle>
-      <a:lvl1pPr algn="ctr" defTabSz="457200" rtl="0" eaLnBrk="1" latinLnBrk="0" hangingPunct="1">
+      <a:lvl1pPr algn="ctr" defTabSz="457163" rtl="0" eaLnBrk="1" latinLnBrk="0" hangingPunct="1">
         <a:spcBef>
           <a:spcPct val="0"/>
         </a:spcBef>
         <a:buNone/>
-        <a:defRPr sz="4400" kern="1200">
+        <a:defRPr sz="4399" kern="1200">
           <a:solidFill>
             <a:schemeClr val="tx1"/>
           </a:solidFill>
@@ -3274,13 +3280,13 @@
       </a:lvl1pPr>
     </p:titleStyle>
     <p:bodyStyle>
-      <a:lvl1pPr marL="342900" indent="-342900" algn="l" defTabSz="457200" rtl="0" eaLnBrk="1" latinLnBrk="0" hangingPunct="1">
+      <a:lvl1pPr marL="342872" indent="-342872" algn="l" defTabSz="457163" rtl="0" eaLnBrk="1" latinLnBrk="0" hangingPunct="1">
         <a:spcBef>
           <a:spcPct val="20000"/>
         </a:spcBef>
         <a:buFont typeface="Arial"/>
         <a:buChar char="•"/>
-        <a:defRPr sz="3200" kern="1200">
+        <a:defRPr sz="3199" kern="1200">
           <a:solidFill>
             <a:schemeClr val="tx1"/>
           </a:solidFill>
@@ -3289,7 +3295,7 @@
           <a:cs typeface="+mn-cs"/>
         </a:defRPr>
       </a:lvl1pPr>
-      <a:lvl2pPr marL="742950" indent="-285750" algn="l" defTabSz="457200" rtl="0" eaLnBrk="1" latinLnBrk="0" hangingPunct="1">
+      <a:lvl2pPr marL="742890" indent="-285727" algn="l" defTabSz="457163" rtl="0" eaLnBrk="1" latinLnBrk="0" hangingPunct="1">
         <a:spcBef>
           <a:spcPct val="20000"/>
         </a:spcBef>
@@ -3304,13 +3310,13 @@
           <a:cs typeface="+mn-cs"/>
         </a:defRPr>
       </a:lvl2pPr>
-      <a:lvl3pPr marL="1143000" indent="-228600" algn="l" defTabSz="457200" rtl="0" eaLnBrk="1" latinLnBrk="0" hangingPunct="1">
+      <a:lvl3pPr marL="1142907" indent="-228580" algn="l" defTabSz="457163" rtl="0" eaLnBrk="1" latinLnBrk="0" hangingPunct="1">
         <a:spcBef>
           <a:spcPct val="20000"/>
         </a:spcBef>
         <a:buFont typeface="Arial"/>
         <a:buChar char="•"/>
-        <a:defRPr sz="2400" kern="1200">
+        <a:defRPr sz="2399" kern="1200">
           <a:solidFill>
             <a:schemeClr val="tx1"/>
           </a:solidFill>
@@ -3319,13 +3325,13 @@
           <a:cs typeface="+mn-cs"/>
         </a:defRPr>
       </a:lvl3pPr>
-      <a:lvl4pPr marL="1600200" indent="-228600" algn="l" defTabSz="457200" rtl="0" eaLnBrk="1" latinLnBrk="0" hangingPunct="1">
+      <a:lvl4pPr marL="1600070" indent="-228580" algn="l" defTabSz="457163" rtl="0" eaLnBrk="1" latinLnBrk="0" hangingPunct="1">
         <a:spcBef>
           <a:spcPct val="20000"/>
         </a:spcBef>
         <a:buFont typeface="Arial"/>
         <a:buChar char="–"/>
-        <a:defRPr sz="2000" kern="1200">
+        <a:defRPr sz="1999" kern="1200">
           <a:solidFill>
             <a:schemeClr val="tx1"/>
           </a:solidFill>
@@ -3334,13 +3340,13 @@
           <a:cs typeface="+mn-cs"/>
         </a:defRPr>
       </a:lvl4pPr>
-      <a:lvl5pPr marL="2057400" indent="-228600" algn="l" defTabSz="457200" rtl="0" eaLnBrk="1" latinLnBrk="0" hangingPunct="1">
+      <a:lvl5pPr marL="2057233" indent="-228580" algn="l" defTabSz="457163" rtl="0" eaLnBrk="1" latinLnBrk="0" hangingPunct="1">
         <a:spcBef>
           <a:spcPct val="20000"/>
         </a:spcBef>
         <a:buFont typeface="Arial"/>
         <a:buChar char="»"/>
-        <a:defRPr sz="2000" kern="1200">
+        <a:defRPr sz="1999" kern="1200">
           <a:solidFill>
             <a:schemeClr val="tx1"/>
           </a:solidFill>
@@ -3349,13 +3355,13 @@
           <a:cs typeface="+mn-cs"/>
         </a:defRPr>
       </a:lvl5pPr>
-      <a:lvl6pPr marL="2514600" indent="-228600" algn="l" defTabSz="457200" rtl="0" eaLnBrk="1" latinLnBrk="0" hangingPunct="1">
+      <a:lvl6pPr marL="2514396" indent="-228580" algn="l" defTabSz="457163" rtl="0" eaLnBrk="1" latinLnBrk="0" hangingPunct="1">
         <a:spcBef>
           <a:spcPct val="20000"/>
         </a:spcBef>
         <a:buFont typeface="Arial"/>
         <a:buChar char="•"/>
-        <a:defRPr sz="2000" kern="1200">
+        <a:defRPr sz="1999" kern="1200">
           <a:solidFill>
             <a:schemeClr val="tx1"/>
           </a:solidFill>
@@ -3364,13 +3370,13 @@
           <a:cs typeface="+mn-cs"/>
         </a:defRPr>
       </a:lvl6pPr>
-      <a:lvl7pPr marL="2971800" indent="-228600" algn="l" defTabSz="457200" rtl="0" eaLnBrk="1" latinLnBrk="0" hangingPunct="1">
+      <a:lvl7pPr marL="2971560" indent="-228580" algn="l" defTabSz="457163" rtl="0" eaLnBrk="1" latinLnBrk="0" hangingPunct="1">
         <a:spcBef>
           <a:spcPct val="20000"/>
         </a:spcBef>
         <a:buFont typeface="Arial"/>
         <a:buChar char="•"/>
-        <a:defRPr sz="2000" kern="1200">
+        <a:defRPr sz="1999" kern="1200">
           <a:solidFill>
             <a:schemeClr val="tx1"/>
           </a:solidFill>
@@ -3379,13 +3385,13 @@
           <a:cs typeface="+mn-cs"/>
         </a:defRPr>
       </a:lvl7pPr>
-      <a:lvl8pPr marL="3429000" indent="-228600" algn="l" defTabSz="457200" rtl="0" eaLnBrk="1" latinLnBrk="0" hangingPunct="1">
+      <a:lvl8pPr marL="3428721" indent="-228580" algn="l" defTabSz="457163" rtl="0" eaLnBrk="1" latinLnBrk="0" hangingPunct="1">
         <a:spcBef>
           <a:spcPct val="20000"/>
         </a:spcBef>
         <a:buFont typeface="Arial"/>
         <a:buChar char="•"/>
-        <a:defRPr sz="2000" kern="1200">
+        <a:defRPr sz="1999" kern="1200">
           <a:solidFill>
             <a:schemeClr val="tx1"/>
           </a:solidFill>
@@ -3394,13 +3400,13 @@
           <a:cs typeface="+mn-cs"/>
         </a:defRPr>
       </a:lvl8pPr>
-      <a:lvl9pPr marL="3886200" indent="-228600" algn="l" defTabSz="457200" rtl="0" eaLnBrk="1" latinLnBrk="0" hangingPunct="1">
+      <a:lvl9pPr marL="3885886" indent="-228580" algn="l" defTabSz="457163" rtl="0" eaLnBrk="1" latinLnBrk="0" hangingPunct="1">
         <a:spcBef>
           <a:spcPct val="20000"/>
         </a:spcBef>
         <a:buFont typeface="Arial"/>
         <a:buChar char="•"/>
-        <a:defRPr sz="2000" kern="1200">
+        <a:defRPr sz="1999" kern="1200">
           <a:solidFill>
             <a:schemeClr val="tx1"/>
           </a:solidFill>
@@ -3414,8 +3420,8 @@
       <a:defPPr>
         <a:defRPr lang="en-US"/>
       </a:defPPr>
-      <a:lvl1pPr marL="0" algn="l" defTabSz="457200" rtl="0" eaLnBrk="1" latinLnBrk="0" hangingPunct="1">
-        <a:defRPr sz="1800" kern="1200">
+      <a:lvl1pPr marL="0" algn="l" defTabSz="457163" rtl="0" eaLnBrk="1" latinLnBrk="0" hangingPunct="1">
+        <a:defRPr sz="1801" kern="1200">
           <a:solidFill>
             <a:schemeClr val="tx1"/>
           </a:solidFill>
@@ -3424,8 +3430,8 @@
           <a:cs typeface="+mn-cs"/>
         </a:defRPr>
       </a:lvl1pPr>
-      <a:lvl2pPr marL="457200" algn="l" defTabSz="457200" rtl="0" eaLnBrk="1" latinLnBrk="0" hangingPunct="1">
-        <a:defRPr sz="1800" kern="1200">
+      <a:lvl2pPr marL="457163" algn="l" defTabSz="457163" rtl="0" eaLnBrk="1" latinLnBrk="0" hangingPunct="1">
+        <a:defRPr sz="1801" kern="1200">
           <a:solidFill>
             <a:schemeClr val="tx1"/>
           </a:solidFill>
@@ -3434,8 +3440,8 @@
           <a:cs typeface="+mn-cs"/>
         </a:defRPr>
       </a:lvl2pPr>
-      <a:lvl3pPr marL="914400" algn="l" defTabSz="457200" rtl="0" eaLnBrk="1" latinLnBrk="0" hangingPunct="1">
-        <a:defRPr sz="1800" kern="1200">
+      <a:lvl3pPr marL="914326" algn="l" defTabSz="457163" rtl="0" eaLnBrk="1" latinLnBrk="0" hangingPunct="1">
+        <a:defRPr sz="1801" kern="1200">
           <a:solidFill>
             <a:schemeClr val="tx1"/>
           </a:solidFill>
@@ -3444,8 +3450,8 @@
           <a:cs typeface="+mn-cs"/>
         </a:defRPr>
       </a:lvl3pPr>
-      <a:lvl4pPr marL="1371600" algn="l" defTabSz="457200" rtl="0" eaLnBrk="1" latinLnBrk="0" hangingPunct="1">
-        <a:defRPr sz="1800" kern="1200">
+      <a:lvl4pPr marL="1371490" algn="l" defTabSz="457163" rtl="0" eaLnBrk="1" latinLnBrk="0" hangingPunct="1">
+        <a:defRPr sz="1801" kern="1200">
           <a:solidFill>
             <a:schemeClr val="tx1"/>
           </a:solidFill>
@@ -3454,8 +3460,8 @@
           <a:cs typeface="+mn-cs"/>
         </a:defRPr>
       </a:lvl4pPr>
-      <a:lvl5pPr marL="1828800" algn="l" defTabSz="457200" rtl="0" eaLnBrk="1" latinLnBrk="0" hangingPunct="1">
-        <a:defRPr sz="1800" kern="1200">
+      <a:lvl5pPr marL="1828652" algn="l" defTabSz="457163" rtl="0" eaLnBrk="1" latinLnBrk="0" hangingPunct="1">
+        <a:defRPr sz="1801" kern="1200">
           <a:solidFill>
             <a:schemeClr val="tx1"/>
           </a:solidFill>
@@ -3464,8 +3470,8 @@
           <a:cs typeface="+mn-cs"/>
         </a:defRPr>
       </a:lvl5pPr>
-      <a:lvl6pPr marL="2286000" algn="l" defTabSz="457200" rtl="0" eaLnBrk="1" latinLnBrk="0" hangingPunct="1">
-        <a:defRPr sz="1800" kern="1200">
+      <a:lvl6pPr marL="2285816" algn="l" defTabSz="457163" rtl="0" eaLnBrk="1" latinLnBrk="0" hangingPunct="1">
+        <a:defRPr sz="1801" kern="1200">
           <a:solidFill>
             <a:schemeClr val="tx1"/>
           </a:solidFill>
@@ -3474,8 +3480,8 @@
           <a:cs typeface="+mn-cs"/>
         </a:defRPr>
       </a:lvl6pPr>
-      <a:lvl7pPr marL="2743200" algn="l" defTabSz="457200" rtl="0" eaLnBrk="1" latinLnBrk="0" hangingPunct="1">
-        <a:defRPr sz="1800" kern="1200">
+      <a:lvl7pPr marL="2742978" algn="l" defTabSz="457163" rtl="0" eaLnBrk="1" latinLnBrk="0" hangingPunct="1">
+        <a:defRPr sz="1801" kern="1200">
           <a:solidFill>
             <a:schemeClr val="tx1"/>
           </a:solidFill>
@@ -3484,8 +3490,8 @@
           <a:cs typeface="+mn-cs"/>
         </a:defRPr>
       </a:lvl7pPr>
-      <a:lvl8pPr marL="3200400" algn="l" defTabSz="457200" rtl="0" eaLnBrk="1" latinLnBrk="0" hangingPunct="1">
-        <a:defRPr sz="1800" kern="1200">
+      <a:lvl8pPr marL="3200141" algn="l" defTabSz="457163" rtl="0" eaLnBrk="1" latinLnBrk="0" hangingPunct="1">
+        <a:defRPr sz="1801" kern="1200">
           <a:solidFill>
             <a:schemeClr val="tx1"/>
           </a:solidFill>
@@ -3494,8 +3500,8 @@
           <a:cs typeface="+mn-cs"/>
         </a:defRPr>
       </a:lvl8pPr>
-      <a:lvl9pPr marL="3657600" algn="l" defTabSz="457200" rtl="0" eaLnBrk="1" latinLnBrk="0" hangingPunct="1">
-        <a:defRPr sz="1800" kern="1200">
+      <a:lvl9pPr marL="3657304" algn="l" defTabSz="457163" rtl="0" eaLnBrk="1" latinLnBrk="0" hangingPunct="1">
+        <a:defRPr sz="1801" kern="1200">
           <a:solidFill>
             <a:schemeClr val="tx1"/>
           </a:solidFill>
@@ -3528,189 +3534,27 @@
       </p:grpSpPr>
       <p:pic>
         <p:nvPicPr>
-          <p:cNvPr id="28" name="Picture 27" descr="Screenshot 2017-01-16 09.07.25.png"/>
+          <p:cNvPr id="13" name="Picture 12"/>
           <p:cNvPicPr>
             <a:picLocks noChangeAspect="1"/>
           </p:cNvPicPr>
           <p:nvPr/>
         </p:nvPicPr>
-        <p:blipFill>
-          <a:blip r:embed="rId3">
-            <a:extLst>
-              <a:ext uri="{28A0092B-C50C-407E-A947-70E740481C1C}">
-                <a14:useLocalDpi xmlns:a14="http://schemas.microsoft.com/office/drawing/2010/main" val="0"/>
-              </a:ext>
-            </a:extLst>
-          </a:blip>
-          <a:stretch>
-            <a:fillRect/>
-          </a:stretch>
+        <p:blipFill rotWithShape="1">
+          <a:blip r:embed="rId3"/>
+          <a:srcRect l="24083" t="13704" r="25084" b="51437"/>
+          <a:stretch/>
         </p:blipFill>
         <p:spPr>
-          <a:xfrm rot="16200000">
-            <a:off x="7809678" y="-288430"/>
-            <a:ext cx="3022600" cy="3657600"/>
+          <a:xfrm>
+            <a:off x="200138" y="60948"/>
+            <a:ext cx="9296401" cy="3585938"/>
           </a:xfrm>
           <a:prstGeom prst="rect">
             <a:avLst/>
           </a:prstGeom>
         </p:spPr>
       </p:pic>
-      <p:pic>
-        <p:nvPicPr>
-          <p:cNvPr id="29" name="Picture 28" descr="Screenshot 2017-01-16 09.07.17.png"/>
-          <p:cNvPicPr>
-            <a:picLocks noChangeAspect="1"/>
-          </p:cNvPicPr>
-          <p:nvPr/>
-        </p:nvPicPr>
-        <p:blipFill>
-          <a:blip r:embed="rId4">
-            <a:extLst>
-              <a:ext uri="{28A0092B-C50C-407E-A947-70E740481C1C}">
-                <a14:useLocalDpi xmlns:a14="http://schemas.microsoft.com/office/drawing/2010/main" val="0"/>
-              </a:ext>
-            </a:extLst>
-          </a:blip>
-          <a:stretch>
-            <a:fillRect/>
-          </a:stretch>
-        </p:blipFill>
-        <p:spPr>
-          <a:xfrm rot="16200000">
-            <a:off x="4038789" y="-279298"/>
-            <a:ext cx="3040863" cy="3657600"/>
-          </a:xfrm>
-          <a:prstGeom prst="rect">
-            <a:avLst/>
-          </a:prstGeom>
-          <a:ln>
-            <a:solidFill>
-              <a:schemeClr val="bg2"/>
-            </a:solidFill>
-          </a:ln>
-        </p:spPr>
-      </p:pic>
-      <p:pic>
-        <p:nvPicPr>
-          <p:cNvPr id="30" name="Picture 29" descr="Screenshot 2017-01-16 09.07.05.png"/>
-          <p:cNvPicPr>
-            <a:picLocks noChangeAspect="1"/>
-          </p:cNvPicPr>
-          <p:nvPr/>
-        </p:nvPicPr>
-        <p:blipFill>
-          <a:blip r:embed="rId5">
-            <a:extLst>
-              <a:ext uri="{28A0092B-C50C-407E-A947-70E740481C1C}">
-                <a14:useLocalDpi xmlns:a14="http://schemas.microsoft.com/office/drawing/2010/main" val="0"/>
-              </a:ext>
-            </a:extLst>
-          </a:blip>
-          <a:stretch>
-            <a:fillRect/>
-          </a:stretch>
-        </p:blipFill>
-        <p:spPr>
-          <a:xfrm rot="16200000">
-            <a:off x="311413" y="-279298"/>
-            <a:ext cx="3040864" cy="3657600"/>
-          </a:xfrm>
-          <a:prstGeom prst="rect">
-            <a:avLst/>
-          </a:prstGeom>
-        </p:spPr>
-      </p:pic>
-      <p:pic>
-        <p:nvPicPr>
-          <p:cNvPr id="31" name="Picture 30" descr="Screenshot 2017-01-16 09.06.50.png"/>
-          <p:cNvPicPr>
-            <a:picLocks noChangeAspect="1"/>
-          </p:cNvPicPr>
-          <p:nvPr/>
-        </p:nvPicPr>
-        <p:blipFill>
-          <a:blip r:embed="rId6">
-            <a:extLst>
-              <a:ext uri="{28A0092B-C50C-407E-A947-70E740481C1C}">
-                <a14:useLocalDpi xmlns:a14="http://schemas.microsoft.com/office/drawing/2010/main" val="0"/>
-              </a:ext>
-            </a:extLst>
-          </a:blip>
-          <a:stretch>
-            <a:fillRect/>
-          </a:stretch>
-        </p:blipFill>
-        <p:spPr>
-          <a:xfrm rot="16200000">
-            <a:off x="7766046" y="3060391"/>
-            <a:ext cx="3036660" cy="3657600"/>
-          </a:xfrm>
-          <a:prstGeom prst="rect">
-            <a:avLst/>
-          </a:prstGeom>
-        </p:spPr>
-      </p:pic>
-      <p:pic>
-        <p:nvPicPr>
-          <p:cNvPr id="32" name="Picture 31" descr="Screenshot 2017-01-16 09.06.41.png"/>
-          <p:cNvPicPr>
-            <a:picLocks noChangeAspect="1"/>
-          </p:cNvPicPr>
-          <p:nvPr/>
-        </p:nvPicPr>
-        <p:blipFill>
-          <a:blip r:embed="rId7">
-            <a:extLst>
-              <a:ext uri="{28A0092B-C50C-407E-A947-70E740481C1C}">
-                <a14:useLocalDpi xmlns:a14="http://schemas.microsoft.com/office/drawing/2010/main" val="0"/>
-              </a:ext>
-            </a:extLst>
-          </a:blip>
-          <a:stretch>
-            <a:fillRect/>
-          </a:stretch>
-        </p:blipFill>
-        <p:spPr>
-          <a:xfrm rot="16200000">
-            <a:off x="4040892" y="3060390"/>
-            <a:ext cx="3036659" cy="3657600"/>
-          </a:xfrm>
-          <a:prstGeom prst="rect">
-            <a:avLst/>
-          </a:prstGeom>
-        </p:spPr>
-      </p:pic>
-      <p:pic>
-        <p:nvPicPr>
-          <p:cNvPr id="33" name="Picture 32" descr="Screenshot 2017-01-16 09.06.23.png"/>
-          <p:cNvPicPr>
-            <a:picLocks noChangeAspect="1"/>
-          </p:cNvPicPr>
-          <p:nvPr/>
-        </p:nvPicPr>
-        <p:blipFill>
-          <a:blip r:embed="rId8">
-            <a:extLst>
-              <a:ext uri="{28A0092B-C50C-407E-A947-70E740481C1C}">
-                <a14:useLocalDpi xmlns:a14="http://schemas.microsoft.com/office/drawing/2010/main" val="0"/>
-              </a:ext>
-            </a:extLst>
-          </a:blip>
-          <a:stretch>
-            <a:fillRect/>
-          </a:stretch>
-        </p:blipFill>
-        <p:spPr>
-          <a:xfrm rot="16200000">
-            <a:off x="318501" y="3065377"/>
-            <a:ext cx="3026687" cy="3657600"/>
-          </a:xfrm>
-          <a:prstGeom prst="rect">
-            <a:avLst/>
-          </a:prstGeom>
-        </p:spPr>
-      </p:pic>
       <p:sp>
         <p:nvSpPr>
           <p:cNvPr id="34" name="TextBox 33"/>
@@ -3719,8 +3563,8 @@
         </p:nvSpPr>
         <p:spPr>
           <a:xfrm>
-            <a:off x="0" y="2974031"/>
-            <a:ext cx="3657601" cy="461665"/>
+            <a:off x="-140034" y="3659837"/>
+            <a:ext cx="3657601" cy="461537"/>
           </a:xfrm>
           <a:prstGeom prst="rect">
             <a:avLst/>
@@ -3735,30 +3579,26 @@
           <a:p>
             <a:pPr algn="ctr"/>
             <a:r>
-              <a:rPr lang="en-US" sz="2400" dirty="0">
+              <a:rPr lang="en-US" sz="2399" dirty="0">
                 <a:latin typeface="Times New Roman"/>
                 <a:cs typeface="Times New Roman"/>
               </a:rPr>
               <a:t>move 0, </a:t>
             </a:r>
             <a:r>
-              <a:rPr lang="en-US" sz="2400" i="1" dirty="0" smtClean="0">
+              <a:rPr lang="en-US" sz="2399" i="1" dirty="0">
                 <a:latin typeface="Times New Roman"/>
                 <a:cs typeface="Times New Roman"/>
               </a:rPr>
               <a:t>n </a:t>
             </a:r>
             <a:r>
-              <a:rPr lang="en-US" sz="2400" dirty="0" smtClean="0">
+              <a:rPr lang="en-US" sz="2399" dirty="0">
                 <a:latin typeface="Times New Roman"/>
                 <a:cs typeface="Times New Roman"/>
               </a:rPr>
               <a:t>= 4</a:t>
             </a:r>
-            <a:endParaRPr lang="en-US" sz="2400" dirty="0">
-              <a:latin typeface="Times New Roman"/>
-              <a:cs typeface="Times New Roman"/>
-            </a:endParaRPr>
           </a:p>
         </p:txBody>
       </p:sp>
@@ -3770,8 +3610,8 @@
         </p:nvSpPr>
         <p:spPr>
           <a:xfrm>
-            <a:off x="3813374" y="2965292"/>
-            <a:ext cx="3657601" cy="461665"/>
+            <a:off x="2849452" y="3651098"/>
+            <a:ext cx="3657601" cy="461537"/>
           </a:xfrm>
           <a:prstGeom prst="rect">
             <a:avLst/>
@@ -3786,30 +3626,26 @@
           <a:p>
             <a:pPr algn="ctr"/>
             <a:r>
-              <a:rPr lang="en-US" sz="2400" dirty="0">
+              <a:rPr lang="en-US" sz="2399" dirty="0">
                 <a:latin typeface="Times New Roman"/>
                 <a:cs typeface="Times New Roman"/>
               </a:rPr>
               <a:t>move 50, </a:t>
             </a:r>
             <a:r>
-              <a:rPr lang="en-US" sz="2400" i="1" dirty="0" smtClean="0">
+              <a:rPr lang="en-US" sz="2399" i="1" dirty="0">
                 <a:latin typeface="Times New Roman"/>
                 <a:cs typeface="Times New Roman"/>
               </a:rPr>
               <a:t>n </a:t>
             </a:r>
             <a:r>
-              <a:rPr lang="en-US" sz="2400" dirty="0" smtClean="0">
+              <a:rPr lang="en-US" sz="2399" dirty="0">
                 <a:latin typeface="Times New Roman"/>
                 <a:cs typeface="Times New Roman"/>
               </a:rPr>
               <a:t>= 4</a:t>
             </a:r>
-            <a:endParaRPr lang="en-US" sz="2400" dirty="0">
-              <a:latin typeface="Times New Roman"/>
-              <a:cs typeface="Times New Roman"/>
-            </a:endParaRPr>
           </a:p>
         </p:txBody>
       </p:sp>
@@ -3821,8 +3657,8 @@
         </p:nvSpPr>
         <p:spPr>
           <a:xfrm>
-            <a:off x="7424396" y="2965291"/>
-            <a:ext cx="3657600" cy="461665"/>
+            <a:off x="5963813" y="3659836"/>
+            <a:ext cx="3657600" cy="461537"/>
           </a:xfrm>
           <a:prstGeom prst="rect">
             <a:avLst/>
@@ -3837,30 +3673,26 @@
           <a:p>
             <a:pPr algn="ctr"/>
             <a:r>
-              <a:rPr lang="en-US" sz="2400" dirty="0">
+              <a:rPr lang="en-US" sz="2399" dirty="0">
                 <a:latin typeface="Times New Roman"/>
                 <a:cs typeface="Times New Roman"/>
               </a:rPr>
               <a:t>move 2394, </a:t>
             </a:r>
             <a:r>
-              <a:rPr lang="en-US" sz="2400" i="1" dirty="0" smtClean="0">
+              <a:rPr lang="en-US" sz="2399" i="1" dirty="0">
                 <a:latin typeface="Times New Roman"/>
                 <a:cs typeface="Times New Roman"/>
               </a:rPr>
               <a:t>n </a:t>
             </a:r>
             <a:r>
-              <a:rPr lang="en-US" sz="2400" dirty="0" smtClean="0">
+              <a:rPr lang="en-US" sz="2399" dirty="0">
                 <a:latin typeface="Times New Roman"/>
                 <a:cs typeface="Times New Roman"/>
               </a:rPr>
               <a:t>= 4</a:t>
             </a:r>
-            <a:endParaRPr lang="en-US" sz="2400" dirty="0">
-              <a:latin typeface="Times New Roman"/>
-              <a:cs typeface="Times New Roman"/>
-            </a:endParaRPr>
           </a:p>
         </p:txBody>
       </p:sp>
@@ -3872,8 +3704,8 @@
         </p:nvSpPr>
         <p:spPr>
           <a:xfrm>
-            <a:off x="7492178" y="6331280"/>
-            <a:ext cx="3589818" cy="461665"/>
+            <a:off x="6126282" y="7624636"/>
+            <a:ext cx="3589817" cy="461537"/>
           </a:xfrm>
           <a:prstGeom prst="rect">
             <a:avLst/>
@@ -3888,30 +3720,26 @@
           <a:p>
             <a:pPr algn="ctr"/>
             <a:r>
-              <a:rPr lang="en-US" sz="2400" dirty="0">
+              <a:rPr lang="en-US" sz="2399" dirty="0">
                 <a:latin typeface="Times New Roman"/>
                 <a:cs typeface="Times New Roman"/>
               </a:rPr>
               <a:t>move 82, </a:t>
             </a:r>
             <a:r>
-              <a:rPr lang="en-US" sz="2400" i="1" dirty="0" smtClean="0">
+              <a:rPr lang="en-US" sz="2399" i="1" dirty="0">
                 <a:latin typeface="Times New Roman"/>
                 <a:cs typeface="Times New Roman"/>
               </a:rPr>
               <a:t>n </a:t>
             </a:r>
             <a:r>
-              <a:rPr lang="en-US" sz="2400" dirty="0" smtClean="0">
+              <a:rPr lang="en-US" sz="2399" dirty="0">
                 <a:latin typeface="Times New Roman"/>
                 <a:cs typeface="Times New Roman"/>
               </a:rPr>
               <a:t>= 300</a:t>
             </a:r>
-            <a:endParaRPr lang="en-US" sz="2400" dirty="0">
-              <a:latin typeface="Times New Roman"/>
-              <a:cs typeface="Times New Roman"/>
-            </a:endParaRPr>
           </a:p>
         </p:txBody>
       </p:sp>
@@ -3923,8 +3751,8 @@
         </p:nvSpPr>
         <p:spPr>
           <a:xfrm>
-            <a:off x="3730422" y="6331279"/>
-            <a:ext cx="3657600" cy="461665"/>
+            <a:off x="3019538" y="7637978"/>
+            <a:ext cx="3657600" cy="461537"/>
           </a:xfrm>
           <a:prstGeom prst="rect">
             <a:avLst/>
@@ -3939,30 +3767,26 @@
           <a:p>
             <a:pPr algn="ctr"/>
             <a:r>
-              <a:rPr lang="en-US" sz="2400" dirty="0">
+              <a:rPr lang="en-US" sz="2399" dirty="0">
                 <a:latin typeface="Times New Roman"/>
                 <a:cs typeface="Times New Roman"/>
               </a:rPr>
               <a:t>move 50, </a:t>
             </a:r>
             <a:r>
-              <a:rPr lang="en-US" sz="2400" i="1" dirty="0" smtClean="0">
+              <a:rPr lang="en-US" sz="2399" i="1" dirty="0">
                 <a:latin typeface="Times New Roman"/>
                 <a:cs typeface="Times New Roman"/>
               </a:rPr>
               <a:t>n </a:t>
             </a:r>
             <a:r>
-              <a:rPr lang="en-US" sz="2400" dirty="0" smtClean="0">
+              <a:rPr lang="en-US" sz="2399" dirty="0">
                 <a:latin typeface="Times New Roman"/>
                 <a:cs typeface="Times New Roman"/>
               </a:rPr>
               <a:t>= 300</a:t>
             </a:r>
-            <a:endParaRPr lang="en-US" sz="2400" dirty="0">
-              <a:latin typeface="Times New Roman"/>
-              <a:cs typeface="Times New Roman"/>
-            </a:endParaRPr>
           </a:p>
         </p:txBody>
       </p:sp>
@@ -3974,8 +3798,8 @@
         </p:nvSpPr>
         <p:spPr>
           <a:xfrm>
-            <a:off x="0" y="6331282"/>
-            <a:ext cx="3657601" cy="461665"/>
+            <a:off x="-140034" y="7624636"/>
+            <a:ext cx="3657601" cy="461537"/>
           </a:xfrm>
           <a:prstGeom prst="rect">
             <a:avLst/>
@@ -3990,30 +3814,26 @@
           <a:p>
             <a:pPr algn="ctr"/>
             <a:r>
-              <a:rPr lang="en-US" sz="2400" dirty="0">
+              <a:rPr lang="en-US" sz="2399" dirty="0">
                 <a:latin typeface="Times New Roman"/>
                 <a:cs typeface="Times New Roman"/>
               </a:rPr>
               <a:t>move 0, </a:t>
             </a:r>
             <a:r>
-              <a:rPr lang="en-US" sz="2400" i="1" dirty="0" smtClean="0">
+              <a:rPr lang="en-US" sz="2399" i="1" dirty="0">
                 <a:latin typeface="Times New Roman"/>
                 <a:cs typeface="Times New Roman"/>
               </a:rPr>
               <a:t>n </a:t>
             </a:r>
             <a:r>
-              <a:rPr lang="en-US" sz="2400" dirty="0" smtClean="0">
+              <a:rPr lang="en-US" sz="2399" dirty="0">
                 <a:latin typeface="Times New Roman"/>
                 <a:cs typeface="Times New Roman"/>
               </a:rPr>
               <a:t>= 300</a:t>
             </a:r>
-            <a:endParaRPr lang="en-US" sz="2400" dirty="0">
-              <a:latin typeface="Times New Roman"/>
-              <a:cs typeface="Times New Roman"/>
-            </a:endParaRPr>
           </a:p>
         </p:txBody>
       </p:sp>
@@ -4025,8 +3845,8 @@
         </p:nvSpPr>
         <p:spPr>
           <a:xfrm>
-            <a:off x="3955673" y="795792"/>
-            <a:ext cx="2466701" cy="461665"/>
+            <a:off x="3342848" y="559769"/>
+            <a:ext cx="2466701" cy="461537"/>
           </a:xfrm>
           <a:prstGeom prst="rect">
             <a:avLst/>
@@ -4043,7 +3863,7 @@
           <a:lstStyle/>
           <a:p>
             <a:r>
-              <a:rPr lang="en-US" sz="2400" b="1" dirty="0"/>
+              <a:rPr lang="en-US" sz="2399" b="1" dirty="0"/>
               <a:t>Particle (red)</a:t>
             </a:r>
           </a:p>
@@ -4057,8 +3877,8 @@
         </p:nvSpPr>
         <p:spPr>
           <a:xfrm>
-            <a:off x="3813726" y="1593718"/>
-            <a:ext cx="2416191" cy="461665"/>
+            <a:off x="3308464" y="2325912"/>
+            <a:ext cx="2416191" cy="461537"/>
           </a:xfrm>
           <a:prstGeom prst="rect">
             <a:avLst/>
@@ -4075,16 +3895,8 @@
           <a:lstStyle/>
           <a:p>
             <a:r>
-              <a:rPr lang="en-US" sz="2400" b="1"/>
-              <a:t>Unknown </a:t>
-            </a:r>
-            <a:r>
-              <a:rPr lang="en-US" sz="2400" b="1" smtClean="0"/>
-              <a:t>(grey</a:t>
-            </a:r>
-            <a:r>
-              <a:rPr lang="en-US" sz="2400" b="1" dirty="0"/>
-              <a:t>)</a:t>
+              <a:rPr lang="en-US" sz="2399" b="1" dirty="0"/>
+              <a:t>Unknown (grey)</a:t>
             </a:r>
           </a:p>
         </p:txBody>
@@ -4097,8 +3909,8 @@
         </p:nvSpPr>
         <p:spPr>
           <a:xfrm>
-            <a:off x="5304798" y="50271"/>
-            <a:ext cx="1682986" cy="830997"/>
+            <a:off x="4215652" y="170412"/>
+            <a:ext cx="2135004" cy="461537"/>
           </a:xfrm>
           <a:prstGeom prst="rect">
             <a:avLst/>
@@ -4115,7 +3927,7 @@
           <a:lstStyle/>
           <a:p>
             <a:r>
-              <a:rPr lang="en-US" sz="2400" b="1" dirty="0"/>
+              <a:rPr lang="en-US" sz="2399" b="1" dirty="0"/>
               <a:t>Frontier (blue)</a:t>
             </a:r>
           </a:p>
@@ -4129,8 +3941,8 @@
         </p:nvSpPr>
         <p:spPr>
           <a:xfrm>
-            <a:off x="5021822" y="2191498"/>
-            <a:ext cx="1719072" cy="830997"/>
+            <a:off x="3342848" y="2617572"/>
+            <a:ext cx="1719072" cy="830740"/>
           </a:xfrm>
           <a:prstGeom prst="rect">
             <a:avLst/>
@@ -4147,7 +3959,7 @@
           <a:lstStyle/>
           <a:p>
             <a:r>
-              <a:rPr lang="en-US" sz="2400" b="1" dirty="0"/>
+              <a:rPr lang="en-US" sz="2399" b="1" dirty="0"/>
               <a:t>Obstacle (black)</a:t>
             </a:r>
           </a:p>
@@ -4160,9 +3972,9 @@
           <p:nvPr/>
         </p:nvCxnSpPr>
         <p:spPr>
-          <a:xfrm flipV="1">
-            <a:off x="4621511" y="659677"/>
-            <a:ext cx="388258" cy="256054"/>
+          <a:xfrm flipH="1">
+            <a:off x="5269635" y="669154"/>
+            <a:ext cx="223181" cy="554556"/>
           </a:xfrm>
           <a:prstGeom prst="straightConnector1">
             <a:avLst/>
@@ -4196,9 +4008,9 @@
           <p:nvPr/>
         </p:nvCxnSpPr>
         <p:spPr>
-          <a:xfrm flipH="1">
-            <a:off x="4338320" y="2395938"/>
-            <a:ext cx="683502" cy="242078"/>
+          <a:xfrm>
+            <a:off x="4302352" y="3068645"/>
+            <a:ext cx="444573" cy="324383"/>
           </a:xfrm>
           <a:prstGeom prst="straightConnector1">
             <a:avLst/>
@@ -4228,15 +4040,13 @@
       <p:cxnSp>
         <p:nvCxnSpPr>
           <p:cNvPr id="40" name="Straight Arrow Connector 39"/>
-          <p:cNvCxnSpPr>
-            <a:stCxn id="16" idx="2"/>
-          </p:cNvCxnSpPr>
+          <p:cNvCxnSpPr/>
           <p:nvPr/>
         </p:nvCxnSpPr>
         <p:spPr>
           <a:xfrm>
-            <a:off x="6146291" y="881268"/>
-            <a:ext cx="420747" cy="247313"/>
+            <a:off x="4019362" y="1000817"/>
+            <a:ext cx="1016888" cy="191962"/>
           </a:xfrm>
           <a:prstGeom prst="straightConnector1">
             <a:avLst/>
@@ -4271,8 +4081,8 @@
         </p:nvCxnSpPr>
         <p:spPr>
           <a:xfrm>
-            <a:off x="6107428" y="1841031"/>
-            <a:ext cx="633466" cy="421693"/>
+            <a:off x="5492816" y="2606341"/>
+            <a:ext cx="633466" cy="26363"/>
           </a:xfrm>
           <a:prstGeom prst="straightConnector1">
             <a:avLst/>
@@ -4307,8 +4117,8 @@
         </p:nvSpPr>
         <p:spPr>
           <a:xfrm>
-            <a:off x="3922878" y="1168111"/>
-            <a:ext cx="3064905" cy="461665"/>
+            <a:off x="3503798" y="2025598"/>
+            <a:ext cx="3064905" cy="461537"/>
           </a:xfrm>
           <a:prstGeom prst="rect">
             <a:avLst/>
@@ -4325,16 +4135,8 @@
           <a:lstStyle/>
           <a:p>
             <a:r>
-              <a:rPr lang="en-US" sz="2400" b="1" dirty="0"/>
-              <a:t>Free space </a:t>
-            </a:r>
-            <a:r>
-              <a:rPr lang="en-US" sz="2400" b="1" dirty="0" smtClean="0"/>
-              <a:t>(white</a:t>
-            </a:r>
-            <a:r>
-              <a:rPr lang="en-US" sz="2400" b="1" dirty="0"/>
-              <a:t>)</a:t>
+              <a:rPr lang="en-US" sz="2399" b="1" dirty="0"/>
+              <a:t>Free space (white)</a:t>
             </a:r>
           </a:p>
         </p:txBody>
@@ -4346,9 +4148,9 @@
           <p:nvPr/>
         </p:nvCxnSpPr>
         <p:spPr>
-          <a:xfrm>
-            <a:off x="6415564" y="1506119"/>
-            <a:ext cx="814162" cy="318431"/>
+          <a:xfrm flipH="1" flipV="1">
+            <a:off x="3517567" y="1853917"/>
+            <a:ext cx="966101" cy="235410"/>
           </a:xfrm>
           <a:prstGeom prst="straightConnector1">
             <a:avLst/>
@@ -4375,10 +4177,101 @@
           </a:fontRef>
         </p:style>
       </p:cxnSp>
+      <p:pic>
+        <p:nvPicPr>
+          <p:cNvPr id="43" name="Picture 42"/>
+          <p:cNvPicPr>
+            <a:picLocks noChangeAspect="1"/>
+          </p:cNvPicPr>
+          <p:nvPr/>
+        </p:nvPicPr>
+        <p:blipFill rotWithShape="1">
+          <a:blip r:embed="rId3"/>
+          <a:srcRect l="24083" t="51499" r="25084" b="12370"/>
+          <a:stretch/>
+        </p:blipFill>
+        <p:spPr>
+          <a:xfrm>
+            <a:off x="200137" y="4001650"/>
+            <a:ext cx="9296401" cy="3716743"/>
+          </a:xfrm>
+          <a:prstGeom prst="rect">
+            <a:avLst/>
+          </a:prstGeom>
+        </p:spPr>
+      </p:pic>
     </p:spTree>
     <p:extLst>
       <p:ext uri="{BB962C8B-B14F-4D97-AF65-F5344CB8AC3E}">
         <p14:creationId xmlns:p14="http://schemas.microsoft.com/office/powerpoint/2010/main" val="1931374139"/>
+      </p:ext>
+    </p:extLst>
+  </p:cSld>
+  <p:clrMapOvr>
+    <a:masterClrMapping/>
+  </p:clrMapOvr>
+</p:sld>
+</file>
+
+<file path=ppt/slides/slide2.xml><?xml version="1.0" encoding="utf-8"?>
+<p:sld xmlns:a="http://schemas.openxmlformats.org/drawingml/2006/main" xmlns:r="http://schemas.openxmlformats.org/officeDocument/2006/relationships" xmlns:p="http://schemas.openxmlformats.org/presentationml/2006/main">
+  <p:cSld>
+    <p:spTree>
+      <p:nvGrpSpPr>
+        <p:cNvPr id="1" name=""/>
+        <p:cNvGrpSpPr/>
+        <p:nvPr/>
+      </p:nvGrpSpPr>
+      <p:grpSpPr>
+        <a:xfrm>
+          <a:off x="0" y="0"/>
+          <a:ext cx="0" cy="0"/>
+          <a:chOff x="0" y="0"/>
+          <a:chExt cx="0" cy="0"/>
+        </a:xfrm>
+      </p:grpSpPr>
+      <p:sp>
+        <p:nvSpPr>
+          <p:cNvPr id="2" name="Title 1"/>
+          <p:cNvSpPr>
+            <a:spLocks noGrp="1"/>
+          </p:cNvSpPr>
+          <p:nvPr>
+            <p:ph type="title"/>
+          </p:nvPr>
+        </p:nvSpPr>
+        <p:spPr/>
+        <p:txBody>
+          <a:bodyPr/>
+          <a:lstStyle/>
+          <a:p>
+            <a:endParaRPr lang="en-US"/>
+          </a:p>
+        </p:txBody>
+      </p:sp>
+      <p:sp>
+        <p:nvSpPr>
+          <p:cNvPr id="3" name="Content Placeholder 2"/>
+          <p:cNvSpPr>
+            <a:spLocks noGrp="1"/>
+          </p:cNvSpPr>
+          <p:nvPr>
+            <p:ph idx="1"/>
+          </p:nvPr>
+        </p:nvSpPr>
+        <p:spPr/>
+        <p:txBody>
+          <a:bodyPr/>
+          <a:lstStyle/>
+          <a:p>
+            <a:endParaRPr lang="en-US"/>
+          </a:p>
+        </p:txBody>
+      </p:sp>
+    </p:spTree>
+    <p:extLst>
+      <p:ext uri="{BB962C8B-B14F-4D97-AF65-F5344CB8AC3E}">
+        <p14:creationId xmlns:p14="http://schemas.microsoft.com/office/powerpoint/2010/main" val="352054563"/>
       </p:ext>
     </p:extLst>
   </p:cSld>
@@ -4997,7 +4890,7 @@
   <a:extraClrSchemeLst/>
   <a:extLst>
     <a:ext uri="{05A4C25C-085E-4340-85A3-A5531E510DB2}">
-      <thm15:themeFamily xmlns="" xmlns:thm15="http://schemas.microsoft.com/office/thememl/2012/main" name="Office Theme" id="{62F939B6-93AF-4DB8-9C6B-D6C7DFDC589F}" vid="{4A3C46E8-61CC-4603-A589-7422A47A8E4A}"/>
+      <thm15:themeFamily xmlns:thm15="http://schemas.microsoft.com/office/thememl/2012/main" name="Office Theme" id="{62F939B6-93AF-4DB8-9C6B-D6C7DFDC589F}" vid="{4A3C46E8-61CC-4603-A589-7422A47A8E4A}"/>
     </a:ext>
   </a:extLst>
 </a:theme>
